--- a/units/2/lessons/3/resources/petascale-lesson-2.3-slides.pptx
+++ b/units/2/lessons/3/resources/petascale-lesson-2.3-slides.pptx
@@ -10,7 +10,7 @@
   </p:notesMasterIdLst>
   <p:sldIdLst>
     <p:sldId id="355" r:id="rId3"/>
-    <p:sldId id="356" r:id="rId4"/>
+    <p:sldId id="357" r:id="rId4"/>
     <p:sldId id="256" r:id="rId5"/>
     <p:sldId id="330" r:id="rId6"/>
     <p:sldId id="344" r:id="rId7"/>
@@ -214,7 +214,7 @@
           <a:p>
             <a:fld id="{C40B3AFE-7C7C-4FC9-A8B9-F4DBDC42F3ED}" type="datetimeFigureOut">
               <a:rPr lang="en-US" smtClean="0"/>
-              <a:t>9/12/20</a:t>
+              <a:t>10/11/20</a:t>
             </a:fld>
             <a:endParaRPr lang="en-US"/>
           </a:p>
@@ -664,7 +664,7 @@
           <a:p>
             <a:fld id="{9ECC21AE-C854-42EF-90E6-1016E4386352}" type="datetimeFigureOut">
               <a:rPr lang="en-US" smtClean="0"/>
-              <a:t>9/12/20</a:t>
+              <a:t>10/11/20</a:t>
             </a:fld>
             <a:endParaRPr lang="en-US" dirty="0"/>
           </a:p>
@@ -938,7 +938,7 @@
           <a:p>
             <a:fld id="{9ECC21AE-C854-42EF-90E6-1016E4386352}" type="datetimeFigureOut">
               <a:rPr lang="en-US" smtClean="0"/>
-              <a:t>9/12/20</a:t>
+              <a:t>10/11/20</a:t>
             </a:fld>
             <a:endParaRPr lang="en-US" dirty="0"/>
           </a:p>
@@ -1132,7 +1132,7 @@
           <a:p>
             <a:fld id="{9ECC21AE-C854-42EF-90E6-1016E4386352}" type="datetimeFigureOut">
               <a:rPr lang="en-US" smtClean="0"/>
-              <a:t>9/12/20</a:t>
+              <a:t>10/11/20</a:t>
             </a:fld>
             <a:endParaRPr lang="en-US" dirty="0"/>
           </a:p>
@@ -1400,7 +1400,7 @@
           <a:p>
             <a:fld id="{9ECC21AE-C854-42EF-90E6-1016E4386352}" type="datetimeFigureOut">
               <a:rPr lang="en-US" smtClean="0"/>
-              <a:t>9/12/20</a:t>
+              <a:t>10/11/20</a:t>
             </a:fld>
             <a:endParaRPr lang="en-US" dirty="0"/>
           </a:p>
@@ -1732,7 +1732,7 @@
           <a:p>
             <a:fld id="{9ECC21AE-C854-42EF-90E6-1016E4386352}" type="datetimeFigureOut">
               <a:rPr lang="en-US" smtClean="0"/>
-              <a:t>9/12/20</a:t>
+              <a:t>10/11/20</a:t>
             </a:fld>
             <a:endParaRPr lang="en-US" dirty="0"/>
           </a:p>
@@ -2342,7 +2342,7 @@
           <a:p>
             <a:fld id="{9ECC21AE-C854-42EF-90E6-1016E4386352}" type="datetimeFigureOut">
               <a:rPr lang="en-US" smtClean="0"/>
-              <a:t>9/12/20</a:t>
+              <a:t>10/11/20</a:t>
             </a:fld>
             <a:endParaRPr lang="en-US" dirty="0"/>
           </a:p>
@@ -3186,7 +3186,7 @@
           <a:p>
             <a:fld id="{9ECC21AE-C854-42EF-90E6-1016E4386352}" type="datetimeFigureOut">
               <a:rPr lang="en-US" smtClean="0"/>
-              <a:t>9/12/20</a:t>
+              <a:t>10/11/20</a:t>
             </a:fld>
             <a:endParaRPr lang="en-US" dirty="0"/>
           </a:p>
@@ -3356,7 +3356,7 @@
           <a:p>
             <a:fld id="{9ECC21AE-C854-42EF-90E6-1016E4386352}" type="datetimeFigureOut">
               <a:rPr lang="en-US" smtClean="0"/>
-              <a:t>9/12/20</a:t>
+              <a:t>10/11/20</a:t>
             </a:fld>
             <a:endParaRPr lang="en-US" dirty="0"/>
           </a:p>
@@ -3536,7 +3536,7 @@
           <a:p>
             <a:fld id="{9ECC21AE-C854-42EF-90E6-1016E4386352}" type="datetimeFigureOut">
               <a:rPr lang="en-US" smtClean="0"/>
-              <a:t>9/12/20</a:t>
+              <a:t>10/11/20</a:t>
             </a:fld>
             <a:endParaRPr lang="en-US" dirty="0"/>
           </a:p>
@@ -3735,7 +3735,7 @@
                 </a:solidFill>
               </a:rPr>
               <a:pPr/>
-              <a:t>9/12/20</a:t>
+              <a:t>10/11/20</a:t>
             </a:fld>
             <a:endParaRPr lang="en-US">
               <a:solidFill>
@@ -3933,7 +3933,7 @@
                 </a:solidFill>
               </a:rPr>
               <a:pPr/>
-              <a:t>9/12/20</a:t>
+              <a:t>10/11/20</a:t>
             </a:fld>
             <a:endParaRPr lang="en-US">
               <a:solidFill>
@@ -4124,7 +4124,7 @@
           <a:p>
             <a:fld id="{9ECC21AE-C854-42EF-90E6-1016E4386352}" type="datetimeFigureOut">
               <a:rPr lang="en-US" smtClean="0"/>
-              <a:t>9/12/20</a:t>
+              <a:t>10/11/20</a:t>
             </a:fld>
             <a:endParaRPr lang="en-US" dirty="0"/>
           </a:p>
@@ -4377,7 +4377,7 @@
                 </a:solidFill>
               </a:rPr>
               <a:pPr/>
-              <a:t>9/12/20</a:t>
+              <a:t>10/11/20</a:t>
             </a:fld>
             <a:endParaRPr lang="en-US">
               <a:solidFill>
@@ -4637,7 +4637,7 @@
                 </a:solidFill>
               </a:rPr>
               <a:pPr/>
-              <a:t>9/12/20</a:t>
+              <a:t>10/11/20</a:t>
             </a:fld>
             <a:endParaRPr lang="en-US">
               <a:solidFill>
@@ -5032,7 +5032,7 @@
                 </a:solidFill>
               </a:rPr>
               <a:pPr/>
-              <a:t>9/12/20</a:t>
+              <a:t>10/11/20</a:t>
             </a:fld>
             <a:endParaRPr lang="en-US">
               <a:solidFill>
@@ -5178,7 +5178,7 @@
                 </a:solidFill>
               </a:rPr>
               <a:pPr/>
-              <a:t>9/12/20</a:t>
+              <a:t>10/11/20</a:t>
             </a:fld>
             <a:endParaRPr lang="en-US">
               <a:solidFill>
@@ -5301,7 +5301,7 @@
                 </a:solidFill>
               </a:rPr>
               <a:pPr/>
-              <a:t>9/12/20</a:t>
+              <a:t>10/11/20</a:t>
             </a:fld>
             <a:endParaRPr lang="en-US">
               <a:solidFill>
@@ -5606,7 +5606,7 @@
                 </a:solidFill>
               </a:rPr>
               <a:pPr/>
-              <a:t>9/12/20</a:t>
+              <a:t>10/11/20</a:t>
             </a:fld>
             <a:endParaRPr lang="en-US">
               <a:solidFill>
@@ -5887,7 +5887,7 @@
                 </a:solidFill>
               </a:rPr>
               <a:pPr/>
-              <a:t>9/12/20</a:t>
+              <a:t>10/11/20</a:t>
             </a:fld>
             <a:endParaRPr lang="en-US">
               <a:solidFill>
@@ -6085,7 +6085,7 @@
                 </a:solidFill>
               </a:rPr>
               <a:pPr/>
-              <a:t>9/12/20</a:t>
+              <a:t>10/11/20</a:t>
             </a:fld>
             <a:endParaRPr lang="en-US">
               <a:solidFill>
@@ -6293,7 +6293,7 @@
                 </a:solidFill>
               </a:rPr>
               <a:pPr/>
-              <a:t>9/12/20</a:t>
+              <a:t>10/11/20</a:t>
             </a:fld>
             <a:endParaRPr lang="en-US">
               <a:solidFill>
@@ -6558,7 +6558,7 @@
           <a:p>
             <a:fld id="{9ECC21AE-C854-42EF-90E6-1016E4386352}" type="datetimeFigureOut">
               <a:rPr lang="en-US" smtClean="0"/>
-              <a:t>9/12/20</a:t>
+              <a:t>10/11/20</a:t>
             </a:fld>
             <a:endParaRPr lang="en-US" dirty="0"/>
           </a:p>
@@ -6850,7 +6850,7 @@
           <a:p>
             <a:fld id="{9ECC21AE-C854-42EF-90E6-1016E4386352}" type="datetimeFigureOut">
               <a:rPr lang="en-US" smtClean="0"/>
-              <a:t>9/12/20</a:t>
+              <a:t>10/11/20</a:t>
             </a:fld>
             <a:endParaRPr lang="en-US" dirty="0"/>
           </a:p>
@@ -7288,7 +7288,7 @@
           <a:p>
             <a:fld id="{9ECC21AE-C854-42EF-90E6-1016E4386352}" type="datetimeFigureOut">
               <a:rPr lang="en-US" smtClean="0"/>
-              <a:t>9/12/20</a:t>
+              <a:t>10/11/20</a:t>
             </a:fld>
             <a:endParaRPr lang="en-US" dirty="0"/>
           </a:p>
@@ -7406,7 +7406,7 @@
           <a:p>
             <a:fld id="{9ECC21AE-C854-42EF-90E6-1016E4386352}" type="datetimeFigureOut">
               <a:rPr lang="en-US" smtClean="0"/>
-              <a:t>9/12/20</a:t>
+              <a:t>10/11/20</a:t>
             </a:fld>
             <a:endParaRPr lang="en-US" dirty="0"/>
           </a:p>
@@ -7501,7 +7501,7 @@
           <a:p>
             <a:fld id="{9ECC21AE-C854-42EF-90E6-1016E4386352}" type="datetimeFigureOut">
               <a:rPr lang="en-US" smtClean="0"/>
-              <a:t>9/12/20</a:t>
+              <a:t>10/11/20</a:t>
             </a:fld>
             <a:endParaRPr lang="en-US" dirty="0"/>
           </a:p>
@@ -7780,7 +7780,7 @@
           <a:p>
             <a:fld id="{9ECC21AE-C854-42EF-90E6-1016E4386352}" type="datetimeFigureOut">
               <a:rPr lang="en-US" smtClean="0"/>
-              <a:t>9/12/20</a:t>
+              <a:t>10/11/20</a:t>
             </a:fld>
             <a:endParaRPr lang="en-US" dirty="0"/>
           </a:p>
@@ -8054,7 +8054,7 @@
           <a:p>
             <a:fld id="{9ECC21AE-C854-42EF-90E6-1016E4386352}" type="datetimeFigureOut">
               <a:rPr lang="en-US" smtClean="0"/>
-              <a:t>9/12/20</a:t>
+              <a:t>10/11/20</a:t>
             </a:fld>
             <a:endParaRPr lang="en-US" dirty="0"/>
           </a:p>
@@ -8483,7 +8483,7 @@
           <a:p>
             <a:fld id="{9ECC21AE-C854-42EF-90E6-1016E4386352}" type="datetimeFigureOut">
               <a:rPr lang="en-US" smtClean="0"/>
-              <a:t>9/12/20</a:t>
+              <a:t>10/11/20</a:t>
             </a:fld>
             <a:endParaRPr lang="en-US" dirty="0"/>
           </a:p>
@@ -9128,7 +9128,7 @@
                 <a:sym typeface="Arial"/>
               </a:rPr>
               <a:pPr defTabSz="914400"/>
-              <a:t>9/12/20</a:t>
+              <a:t>10/11/20</a:t>
             </a:fld>
             <a:endParaRPr lang="en-US">
               <a:solidFill>
@@ -9651,15 +9651,7 @@
                 <a:ea typeface="Times New Roman" charset="0"/>
                 <a:cs typeface="Times New Roman" charset="0"/>
               </a:rPr>
-              <a:t>Lesson </a:t>
-            </a:r>
-            <a:r>
-              <a:rPr lang="en-US" sz="3600" b="1" dirty="0" smtClean="0">
-                <a:latin typeface="Times New Roman" charset="0"/>
-                <a:ea typeface="Times New Roman" charset="0"/>
-                <a:cs typeface="Times New Roman" charset="0"/>
-              </a:rPr>
-              <a:t>3</a:t>
+              <a:t>Lesson 3</a:t>
             </a:r>
             <a:r>
               <a:rPr lang="en-US" sz="3600" b="1" dirty="0">
@@ -9690,15 +9682,7 @@
                 <a:ea typeface="Times New Roman" charset="0"/>
                 <a:cs typeface="Times New Roman" charset="0"/>
               </a:rPr>
-              <a:t>Developed </a:t>
-            </a:r>
-            <a:r>
-              <a:rPr lang="en-US" sz="3600" i="1" dirty="0" smtClean="0">
-                <a:latin typeface="Times New Roman" charset="0"/>
-                <a:ea typeface="Times New Roman" charset="0"/>
-                <a:cs typeface="Times New Roman" charset="0"/>
-              </a:rPr>
-              <a:t>by </a:t>
+              <a:t>Developed by </a:t>
             </a:r>
             <a:r>
               <a:rPr lang="en-US" sz="3600" i="1" dirty="0">
@@ -9790,10 +9774,10 @@
           <p:cNvPr id="8" name="Rectangle 7">
             <a:extLst>
               <a:ext uri="{FF2B5EF4-FFF2-40B4-BE49-F238E27FC236}">
-                <a16:creationId xmlns:a16="http://schemas.microsoft.com/office/drawing/2014/main" xmlns="" id="{74CD14DB-BB81-479F-A1FC-1C75640E9F84}"/>
+                <a16:creationId xmlns="" xmlns:a16="http://schemas.microsoft.com/office/drawing/2014/main" id="{74CD14DB-BB81-479F-A1FC-1C75640E9F84}"/>
               </a:ext>
               <a:ext uri="{C183D7F6-B498-43B3-948B-1728B52AA6E4}">
-                <adec:decorative xmlns:adec="http://schemas.microsoft.com/office/drawing/2017/decorative" xmlns="" val="1"/>
+                <adec:decorative xmlns="" xmlns:adec="http://schemas.microsoft.com/office/drawing/2017/decorative" val="1"/>
               </a:ext>
             </a:extLst>
           </p:cNvPr>
@@ -9879,10 +9863,10 @@
           <p:cNvPr id="10" name="Rectangle 9">
             <a:extLst>
               <a:ext uri="{FF2B5EF4-FFF2-40B4-BE49-F238E27FC236}">
-                <a16:creationId xmlns:a16="http://schemas.microsoft.com/office/drawing/2014/main" xmlns="" id="{C943A91B-7CA7-4592-A975-73B1BF8C4C74}"/>
+                <a16:creationId xmlns="" xmlns:a16="http://schemas.microsoft.com/office/drawing/2014/main" id="{C943A91B-7CA7-4592-A975-73B1BF8C4C74}"/>
               </a:ext>
               <a:ext uri="{C183D7F6-B498-43B3-948B-1728B52AA6E4}">
-                <adec:decorative xmlns:adec="http://schemas.microsoft.com/office/drawing/2017/decorative" xmlns="" val="1"/>
+                <adec:decorative xmlns="" xmlns:adec="http://schemas.microsoft.com/office/drawing/2017/decorative" val="1"/>
               </a:ext>
             </a:extLst>
           </p:cNvPr>
@@ -9932,10 +9916,10 @@
           <p:cNvPr id="12" name="Freeform 7">
             <a:extLst>
               <a:ext uri="{FF2B5EF4-FFF2-40B4-BE49-F238E27FC236}">
-                <a16:creationId xmlns:a16="http://schemas.microsoft.com/office/drawing/2014/main" xmlns="" id="{EC471314-E46A-414B-8D91-74880E84F187}"/>
+                <a16:creationId xmlns="" xmlns:a16="http://schemas.microsoft.com/office/drawing/2014/main" id="{EC471314-E46A-414B-8D91-74880E84F187}"/>
               </a:ext>
               <a:ext uri="{C183D7F6-B498-43B3-948B-1728B52AA6E4}">
-                <adec:decorative xmlns:adec="http://schemas.microsoft.com/office/drawing/2017/decorative" xmlns="" val="1"/>
+                <adec:decorative xmlns="" xmlns:adec="http://schemas.microsoft.com/office/drawing/2017/decorative" val="1"/>
               </a:ext>
             </a:extLst>
           </p:cNvPr>
@@ -10321,10 +10305,10 @@
           <p:cNvPr id="14" name="Freeform: Shape 13">
             <a:extLst>
               <a:ext uri="{FF2B5EF4-FFF2-40B4-BE49-F238E27FC236}">
-                <a16:creationId xmlns:a16="http://schemas.microsoft.com/office/drawing/2014/main" xmlns="" id="{6A681326-1C9D-44A3-A627-3871BDAE4127}"/>
+                <a16:creationId xmlns="" xmlns:a16="http://schemas.microsoft.com/office/drawing/2014/main" id="{6A681326-1C9D-44A3-A627-3871BDAE4127}"/>
               </a:ext>
               <a:ext uri="{C183D7F6-B498-43B3-948B-1728B52AA6E4}">
-                <adec:decorative xmlns:adec="http://schemas.microsoft.com/office/drawing/2017/decorative" xmlns="" val="1"/>
+                <adec:decorative xmlns="" xmlns:adec="http://schemas.microsoft.com/office/drawing/2017/decorative" val="1"/>
               </a:ext>
             </a:extLst>
           </p:cNvPr>
@@ -10784,7 +10768,7 @@
           <p:cNvPr id="2" name="Title 1">
             <a:extLst>
               <a:ext uri="{FF2B5EF4-FFF2-40B4-BE49-F238E27FC236}">
-                <a16:creationId xmlns:a16="http://schemas.microsoft.com/office/drawing/2014/main" xmlns="" id="{5343FD55-52BA-49ED-8622-99BA403F87BD}"/>
+                <a16:creationId xmlns="" xmlns:a16="http://schemas.microsoft.com/office/drawing/2014/main" id="{5343FD55-52BA-49ED-8622-99BA403F87BD}"/>
               </a:ext>
             </a:extLst>
           </p:cNvPr>
@@ -10823,7 +10807,7 @@
           <p:cNvPr id="3" name="Content Placeholder 2">
             <a:extLst>
               <a:ext uri="{FF2B5EF4-FFF2-40B4-BE49-F238E27FC236}">
-                <a16:creationId xmlns:a16="http://schemas.microsoft.com/office/drawing/2014/main" xmlns="" id="{03D921A0-DB4F-49E7-B69F-84CE55C2AD6E}"/>
+                <a16:creationId xmlns="" xmlns:a16="http://schemas.microsoft.com/office/drawing/2014/main" id="{03D921A0-DB4F-49E7-B69F-84CE55C2AD6E}"/>
               </a:ext>
             </a:extLst>
           </p:cNvPr>
@@ -11079,10 +11063,10 @@
           <p:cNvPr id="8" name="Rectangle 7">
             <a:extLst>
               <a:ext uri="{FF2B5EF4-FFF2-40B4-BE49-F238E27FC236}">
-                <a16:creationId xmlns:a16="http://schemas.microsoft.com/office/drawing/2014/main" xmlns="" id="{74CD14DB-BB81-479F-A1FC-1C75640E9F84}"/>
+                <a16:creationId xmlns="" xmlns:a16="http://schemas.microsoft.com/office/drawing/2014/main" id="{74CD14DB-BB81-479F-A1FC-1C75640E9F84}"/>
               </a:ext>
               <a:ext uri="{C183D7F6-B498-43B3-948B-1728B52AA6E4}">
-                <adec:decorative xmlns:adec="http://schemas.microsoft.com/office/drawing/2017/decorative" xmlns="" val="1"/>
+                <adec:decorative xmlns="" xmlns:adec="http://schemas.microsoft.com/office/drawing/2017/decorative" val="1"/>
               </a:ext>
             </a:extLst>
           </p:cNvPr>
@@ -11168,10 +11152,10 @@
           <p:cNvPr id="10" name="Rectangle 9">
             <a:extLst>
               <a:ext uri="{FF2B5EF4-FFF2-40B4-BE49-F238E27FC236}">
-                <a16:creationId xmlns:a16="http://schemas.microsoft.com/office/drawing/2014/main" xmlns="" id="{C943A91B-7CA7-4592-A975-73B1BF8C4C74}"/>
+                <a16:creationId xmlns="" xmlns:a16="http://schemas.microsoft.com/office/drawing/2014/main" id="{C943A91B-7CA7-4592-A975-73B1BF8C4C74}"/>
               </a:ext>
               <a:ext uri="{C183D7F6-B498-43B3-948B-1728B52AA6E4}">
-                <adec:decorative xmlns:adec="http://schemas.microsoft.com/office/drawing/2017/decorative" xmlns="" val="1"/>
+                <adec:decorative xmlns="" xmlns:adec="http://schemas.microsoft.com/office/drawing/2017/decorative" val="1"/>
               </a:ext>
             </a:extLst>
           </p:cNvPr>
@@ -11221,10 +11205,10 @@
           <p:cNvPr id="12" name="Freeform 7">
             <a:extLst>
               <a:ext uri="{FF2B5EF4-FFF2-40B4-BE49-F238E27FC236}">
-                <a16:creationId xmlns:a16="http://schemas.microsoft.com/office/drawing/2014/main" xmlns="" id="{EC471314-E46A-414B-8D91-74880E84F187}"/>
+                <a16:creationId xmlns="" xmlns:a16="http://schemas.microsoft.com/office/drawing/2014/main" id="{EC471314-E46A-414B-8D91-74880E84F187}"/>
               </a:ext>
               <a:ext uri="{C183D7F6-B498-43B3-948B-1728B52AA6E4}">
-                <adec:decorative xmlns:adec="http://schemas.microsoft.com/office/drawing/2017/decorative" xmlns="" val="1"/>
+                <adec:decorative xmlns="" xmlns:adec="http://schemas.microsoft.com/office/drawing/2017/decorative" val="1"/>
               </a:ext>
             </a:extLst>
           </p:cNvPr>
@@ -11610,10 +11594,10 @@
           <p:cNvPr id="14" name="Freeform: Shape 13">
             <a:extLst>
               <a:ext uri="{FF2B5EF4-FFF2-40B4-BE49-F238E27FC236}">
-                <a16:creationId xmlns:a16="http://schemas.microsoft.com/office/drawing/2014/main" xmlns="" id="{6A681326-1C9D-44A3-A627-3871BDAE4127}"/>
+                <a16:creationId xmlns="" xmlns:a16="http://schemas.microsoft.com/office/drawing/2014/main" id="{6A681326-1C9D-44A3-A627-3871BDAE4127}"/>
               </a:ext>
               <a:ext uri="{C183D7F6-B498-43B3-948B-1728B52AA6E4}">
-                <adec:decorative xmlns:adec="http://schemas.microsoft.com/office/drawing/2017/decorative" xmlns="" val="1"/>
+                <adec:decorative xmlns="" xmlns:adec="http://schemas.microsoft.com/office/drawing/2017/decorative" val="1"/>
               </a:ext>
             </a:extLst>
           </p:cNvPr>
@@ -12073,7 +12057,7 @@
           <p:cNvPr id="2" name="Title 1">
             <a:extLst>
               <a:ext uri="{FF2B5EF4-FFF2-40B4-BE49-F238E27FC236}">
-                <a16:creationId xmlns:a16="http://schemas.microsoft.com/office/drawing/2014/main" xmlns="" id="{5343FD55-52BA-49ED-8622-99BA403F87BD}"/>
+                <a16:creationId xmlns="" xmlns:a16="http://schemas.microsoft.com/office/drawing/2014/main" id="{5343FD55-52BA-49ED-8622-99BA403F87BD}"/>
               </a:ext>
             </a:extLst>
           </p:cNvPr>
@@ -12112,7 +12096,7 @@
           <p:cNvPr id="3" name="Content Placeholder 2">
             <a:extLst>
               <a:ext uri="{FF2B5EF4-FFF2-40B4-BE49-F238E27FC236}">
-                <a16:creationId xmlns:a16="http://schemas.microsoft.com/office/drawing/2014/main" xmlns="" id="{03D921A0-DB4F-49E7-B69F-84CE55C2AD6E}"/>
+                <a16:creationId xmlns="" xmlns:a16="http://schemas.microsoft.com/office/drawing/2014/main" id="{03D921A0-DB4F-49E7-B69F-84CE55C2AD6E}"/>
               </a:ext>
             </a:extLst>
           </p:cNvPr>
@@ -12342,10 +12326,10 @@
           <p:cNvPr id="8" name="Rectangle 7">
             <a:extLst>
               <a:ext uri="{FF2B5EF4-FFF2-40B4-BE49-F238E27FC236}">
-                <a16:creationId xmlns:a16="http://schemas.microsoft.com/office/drawing/2014/main" xmlns="" id="{74CD14DB-BB81-479F-A1FC-1C75640E9F84}"/>
+                <a16:creationId xmlns="" xmlns:a16="http://schemas.microsoft.com/office/drawing/2014/main" id="{74CD14DB-BB81-479F-A1FC-1C75640E9F84}"/>
               </a:ext>
               <a:ext uri="{C183D7F6-B498-43B3-948B-1728B52AA6E4}">
-                <adec:decorative xmlns:adec="http://schemas.microsoft.com/office/drawing/2017/decorative" xmlns="" val="1"/>
+                <adec:decorative xmlns="" xmlns:adec="http://schemas.microsoft.com/office/drawing/2017/decorative" val="1"/>
               </a:ext>
             </a:extLst>
           </p:cNvPr>
@@ -12431,10 +12415,10 @@
           <p:cNvPr id="10" name="Rectangle 9">
             <a:extLst>
               <a:ext uri="{FF2B5EF4-FFF2-40B4-BE49-F238E27FC236}">
-                <a16:creationId xmlns:a16="http://schemas.microsoft.com/office/drawing/2014/main" xmlns="" id="{C943A91B-7CA7-4592-A975-73B1BF8C4C74}"/>
+                <a16:creationId xmlns="" xmlns:a16="http://schemas.microsoft.com/office/drawing/2014/main" id="{C943A91B-7CA7-4592-A975-73B1BF8C4C74}"/>
               </a:ext>
               <a:ext uri="{C183D7F6-B498-43B3-948B-1728B52AA6E4}">
-                <adec:decorative xmlns:adec="http://schemas.microsoft.com/office/drawing/2017/decorative" xmlns="" val="1"/>
+                <adec:decorative xmlns="" xmlns:adec="http://schemas.microsoft.com/office/drawing/2017/decorative" val="1"/>
               </a:ext>
             </a:extLst>
           </p:cNvPr>
@@ -12484,10 +12468,10 @@
           <p:cNvPr id="12" name="Freeform 7">
             <a:extLst>
               <a:ext uri="{FF2B5EF4-FFF2-40B4-BE49-F238E27FC236}">
-                <a16:creationId xmlns:a16="http://schemas.microsoft.com/office/drawing/2014/main" xmlns="" id="{EC471314-E46A-414B-8D91-74880E84F187}"/>
+                <a16:creationId xmlns="" xmlns:a16="http://schemas.microsoft.com/office/drawing/2014/main" id="{EC471314-E46A-414B-8D91-74880E84F187}"/>
               </a:ext>
               <a:ext uri="{C183D7F6-B498-43B3-948B-1728B52AA6E4}">
-                <adec:decorative xmlns:adec="http://schemas.microsoft.com/office/drawing/2017/decorative" xmlns="" val="1"/>
+                <adec:decorative xmlns="" xmlns:adec="http://schemas.microsoft.com/office/drawing/2017/decorative" val="1"/>
               </a:ext>
             </a:extLst>
           </p:cNvPr>
@@ -12873,10 +12857,10 @@
           <p:cNvPr id="14" name="Freeform: Shape 13">
             <a:extLst>
               <a:ext uri="{FF2B5EF4-FFF2-40B4-BE49-F238E27FC236}">
-                <a16:creationId xmlns:a16="http://schemas.microsoft.com/office/drawing/2014/main" xmlns="" id="{6A681326-1C9D-44A3-A627-3871BDAE4127}"/>
+                <a16:creationId xmlns="" xmlns:a16="http://schemas.microsoft.com/office/drawing/2014/main" id="{6A681326-1C9D-44A3-A627-3871BDAE4127}"/>
               </a:ext>
               <a:ext uri="{C183D7F6-B498-43B3-948B-1728B52AA6E4}">
-                <adec:decorative xmlns:adec="http://schemas.microsoft.com/office/drawing/2017/decorative" xmlns="" val="1"/>
+                <adec:decorative xmlns="" xmlns:adec="http://schemas.microsoft.com/office/drawing/2017/decorative" val="1"/>
               </a:ext>
             </a:extLst>
           </p:cNvPr>
@@ -13336,7 +13320,7 @@
           <p:cNvPr id="2" name="Title 1">
             <a:extLst>
               <a:ext uri="{FF2B5EF4-FFF2-40B4-BE49-F238E27FC236}">
-                <a16:creationId xmlns:a16="http://schemas.microsoft.com/office/drawing/2014/main" xmlns="" id="{5343FD55-52BA-49ED-8622-99BA403F87BD}"/>
+                <a16:creationId xmlns="" xmlns:a16="http://schemas.microsoft.com/office/drawing/2014/main" id="{5343FD55-52BA-49ED-8622-99BA403F87BD}"/>
               </a:ext>
             </a:extLst>
           </p:cNvPr>
@@ -13375,7 +13359,7 @@
           <p:cNvPr id="3" name="Content Placeholder 2">
             <a:extLst>
               <a:ext uri="{FF2B5EF4-FFF2-40B4-BE49-F238E27FC236}">
-                <a16:creationId xmlns:a16="http://schemas.microsoft.com/office/drawing/2014/main" xmlns="" id="{03D921A0-DB4F-49E7-B69F-84CE55C2AD6E}"/>
+                <a16:creationId xmlns="" xmlns:a16="http://schemas.microsoft.com/office/drawing/2014/main" id="{03D921A0-DB4F-49E7-B69F-84CE55C2AD6E}"/>
               </a:ext>
             </a:extLst>
           </p:cNvPr>
@@ -13496,10 +13480,10 @@
           <p:cNvPr id="8" name="Rectangle 7">
             <a:extLst>
               <a:ext uri="{FF2B5EF4-FFF2-40B4-BE49-F238E27FC236}">
-                <a16:creationId xmlns:a16="http://schemas.microsoft.com/office/drawing/2014/main" xmlns="" id="{74CD14DB-BB81-479F-A1FC-1C75640E9F84}"/>
+                <a16:creationId xmlns="" xmlns:a16="http://schemas.microsoft.com/office/drawing/2014/main" id="{74CD14DB-BB81-479F-A1FC-1C75640E9F84}"/>
               </a:ext>
               <a:ext uri="{C183D7F6-B498-43B3-948B-1728B52AA6E4}">
-                <adec:decorative xmlns:adec="http://schemas.microsoft.com/office/drawing/2017/decorative" xmlns="" val="1"/>
+                <adec:decorative xmlns="" xmlns:adec="http://schemas.microsoft.com/office/drawing/2017/decorative" val="1"/>
               </a:ext>
             </a:extLst>
           </p:cNvPr>
@@ -13585,10 +13569,10 @@
           <p:cNvPr id="10" name="Rectangle 9">
             <a:extLst>
               <a:ext uri="{FF2B5EF4-FFF2-40B4-BE49-F238E27FC236}">
-                <a16:creationId xmlns:a16="http://schemas.microsoft.com/office/drawing/2014/main" xmlns="" id="{C943A91B-7CA7-4592-A975-73B1BF8C4C74}"/>
+                <a16:creationId xmlns="" xmlns:a16="http://schemas.microsoft.com/office/drawing/2014/main" id="{C943A91B-7CA7-4592-A975-73B1BF8C4C74}"/>
               </a:ext>
               <a:ext uri="{C183D7F6-B498-43B3-948B-1728B52AA6E4}">
-                <adec:decorative xmlns:adec="http://schemas.microsoft.com/office/drawing/2017/decorative" xmlns="" val="1"/>
+                <adec:decorative xmlns="" xmlns:adec="http://schemas.microsoft.com/office/drawing/2017/decorative" val="1"/>
               </a:ext>
             </a:extLst>
           </p:cNvPr>
@@ -13638,10 +13622,10 @@
           <p:cNvPr id="12" name="Freeform 7">
             <a:extLst>
               <a:ext uri="{FF2B5EF4-FFF2-40B4-BE49-F238E27FC236}">
-                <a16:creationId xmlns:a16="http://schemas.microsoft.com/office/drawing/2014/main" xmlns="" id="{EC471314-E46A-414B-8D91-74880E84F187}"/>
+                <a16:creationId xmlns="" xmlns:a16="http://schemas.microsoft.com/office/drawing/2014/main" id="{EC471314-E46A-414B-8D91-74880E84F187}"/>
               </a:ext>
               <a:ext uri="{C183D7F6-B498-43B3-948B-1728B52AA6E4}">
-                <adec:decorative xmlns:adec="http://schemas.microsoft.com/office/drawing/2017/decorative" xmlns="" val="1"/>
+                <adec:decorative xmlns="" xmlns:adec="http://schemas.microsoft.com/office/drawing/2017/decorative" val="1"/>
               </a:ext>
             </a:extLst>
           </p:cNvPr>
@@ -14027,10 +14011,10 @@
           <p:cNvPr id="14" name="Freeform: Shape 13">
             <a:extLst>
               <a:ext uri="{FF2B5EF4-FFF2-40B4-BE49-F238E27FC236}">
-                <a16:creationId xmlns:a16="http://schemas.microsoft.com/office/drawing/2014/main" xmlns="" id="{6A681326-1C9D-44A3-A627-3871BDAE4127}"/>
+                <a16:creationId xmlns="" xmlns:a16="http://schemas.microsoft.com/office/drawing/2014/main" id="{6A681326-1C9D-44A3-A627-3871BDAE4127}"/>
               </a:ext>
               <a:ext uri="{C183D7F6-B498-43B3-948B-1728B52AA6E4}">
-                <adec:decorative xmlns:adec="http://schemas.microsoft.com/office/drawing/2017/decorative" xmlns="" val="1"/>
+                <adec:decorative xmlns="" xmlns:adec="http://schemas.microsoft.com/office/drawing/2017/decorative" val="1"/>
               </a:ext>
             </a:extLst>
           </p:cNvPr>
@@ -14490,7 +14474,7 @@
           <p:cNvPr id="2" name="Title 1">
             <a:extLst>
               <a:ext uri="{FF2B5EF4-FFF2-40B4-BE49-F238E27FC236}">
-                <a16:creationId xmlns:a16="http://schemas.microsoft.com/office/drawing/2014/main" xmlns="" id="{5343FD55-52BA-49ED-8622-99BA403F87BD}"/>
+                <a16:creationId xmlns="" xmlns:a16="http://schemas.microsoft.com/office/drawing/2014/main" id="{5343FD55-52BA-49ED-8622-99BA403F87BD}"/>
               </a:ext>
             </a:extLst>
           </p:cNvPr>
@@ -14537,7 +14521,7 @@
           <p:cNvPr id="3" name="Content Placeholder 2">
             <a:extLst>
               <a:ext uri="{FF2B5EF4-FFF2-40B4-BE49-F238E27FC236}">
-                <a16:creationId xmlns:a16="http://schemas.microsoft.com/office/drawing/2014/main" xmlns="" id="{03D921A0-DB4F-49E7-B69F-84CE55C2AD6E}"/>
+                <a16:creationId xmlns="" xmlns:a16="http://schemas.microsoft.com/office/drawing/2014/main" id="{03D921A0-DB4F-49E7-B69F-84CE55C2AD6E}"/>
               </a:ext>
             </a:extLst>
           </p:cNvPr>
@@ -14687,10 +14671,10 @@
           <p:cNvPr id="8" name="Rectangle 7">
             <a:extLst>
               <a:ext uri="{FF2B5EF4-FFF2-40B4-BE49-F238E27FC236}">
-                <a16:creationId xmlns:a16="http://schemas.microsoft.com/office/drawing/2014/main" xmlns="" id="{74CD14DB-BB81-479F-A1FC-1C75640E9F84}"/>
+                <a16:creationId xmlns="" xmlns:a16="http://schemas.microsoft.com/office/drawing/2014/main" id="{74CD14DB-BB81-479F-A1FC-1C75640E9F84}"/>
               </a:ext>
               <a:ext uri="{C183D7F6-B498-43B3-948B-1728B52AA6E4}">
-                <adec:decorative xmlns:adec="http://schemas.microsoft.com/office/drawing/2017/decorative" xmlns="" val="1"/>
+                <adec:decorative xmlns="" xmlns:adec="http://schemas.microsoft.com/office/drawing/2017/decorative" val="1"/>
               </a:ext>
             </a:extLst>
           </p:cNvPr>
@@ -14776,10 +14760,10 @@
           <p:cNvPr id="10" name="Rectangle 9">
             <a:extLst>
               <a:ext uri="{FF2B5EF4-FFF2-40B4-BE49-F238E27FC236}">
-                <a16:creationId xmlns:a16="http://schemas.microsoft.com/office/drawing/2014/main" xmlns="" id="{C943A91B-7CA7-4592-A975-73B1BF8C4C74}"/>
+                <a16:creationId xmlns="" xmlns:a16="http://schemas.microsoft.com/office/drawing/2014/main" id="{C943A91B-7CA7-4592-A975-73B1BF8C4C74}"/>
               </a:ext>
               <a:ext uri="{C183D7F6-B498-43B3-948B-1728B52AA6E4}">
-                <adec:decorative xmlns:adec="http://schemas.microsoft.com/office/drawing/2017/decorative" xmlns="" val="1"/>
+                <adec:decorative xmlns="" xmlns:adec="http://schemas.microsoft.com/office/drawing/2017/decorative" val="1"/>
               </a:ext>
             </a:extLst>
           </p:cNvPr>
@@ -14829,10 +14813,10 @@
           <p:cNvPr id="12" name="Freeform 7">
             <a:extLst>
               <a:ext uri="{FF2B5EF4-FFF2-40B4-BE49-F238E27FC236}">
-                <a16:creationId xmlns:a16="http://schemas.microsoft.com/office/drawing/2014/main" xmlns="" id="{EC471314-E46A-414B-8D91-74880E84F187}"/>
+                <a16:creationId xmlns="" xmlns:a16="http://schemas.microsoft.com/office/drawing/2014/main" id="{EC471314-E46A-414B-8D91-74880E84F187}"/>
               </a:ext>
               <a:ext uri="{C183D7F6-B498-43B3-948B-1728B52AA6E4}">
-                <adec:decorative xmlns:adec="http://schemas.microsoft.com/office/drawing/2017/decorative" xmlns="" val="1"/>
+                <adec:decorative xmlns="" xmlns:adec="http://schemas.microsoft.com/office/drawing/2017/decorative" val="1"/>
               </a:ext>
             </a:extLst>
           </p:cNvPr>
@@ -15218,10 +15202,10 @@
           <p:cNvPr id="14" name="Freeform: Shape 13">
             <a:extLst>
               <a:ext uri="{FF2B5EF4-FFF2-40B4-BE49-F238E27FC236}">
-                <a16:creationId xmlns:a16="http://schemas.microsoft.com/office/drawing/2014/main" xmlns="" id="{6A681326-1C9D-44A3-A627-3871BDAE4127}"/>
+                <a16:creationId xmlns="" xmlns:a16="http://schemas.microsoft.com/office/drawing/2014/main" id="{6A681326-1C9D-44A3-A627-3871BDAE4127}"/>
               </a:ext>
               <a:ext uri="{C183D7F6-B498-43B3-948B-1728B52AA6E4}">
-                <adec:decorative xmlns:adec="http://schemas.microsoft.com/office/drawing/2017/decorative" xmlns="" val="1"/>
+                <adec:decorative xmlns="" xmlns:adec="http://schemas.microsoft.com/office/drawing/2017/decorative" val="1"/>
               </a:ext>
             </a:extLst>
           </p:cNvPr>
@@ -15681,7 +15665,7 @@
           <p:cNvPr id="2" name="Title 1">
             <a:extLst>
               <a:ext uri="{FF2B5EF4-FFF2-40B4-BE49-F238E27FC236}">
-                <a16:creationId xmlns:a16="http://schemas.microsoft.com/office/drawing/2014/main" xmlns="" id="{5343FD55-52BA-49ED-8622-99BA403F87BD}"/>
+                <a16:creationId xmlns="" xmlns:a16="http://schemas.microsoft.com/office/drawing/2014/main" id="{5343FD55-52BA-49ED-8622-99BA403F87BD}"/>
               </a:ext>
             </a:extLst>
           </p:cNvPr>
@@ -15720,7 +15704,7 @@
           <p:cNvPr id="3" name="Content Placeholder 2">
             <a:extLst>
               <a:ext uri="{FF2B5EF4-FFF2-40B4-BE49-F238E27FC236}">
-                <a16:creationId xmlns:a16="http://schemas.microsoft.com/office/drawing/2014/main" xmlns="" id="{03D921A0-DB4F-49E7-B69F-84CE55C2AD6E}"/>
+                <a16:creationId xmlns="" xmlns:a16="http://schemas.microsoft.com/office/drawing/2014/main" id="{03D921A0-DB4F-49E7-B69F-84CE55C2AD6E}"/>
               </a:ext>
             </a:extLst>
           </p:cNvPr>
@@ -15820,10 +15804,10 @@
           <p:cNvPr id="8" name="Rectangle 7">
             <a:extLst>
               <a:ext uri="{FF2B5EF4-FFF2-40B4-BE49-F238E27FC236}">
-                <a16:creationId xmlns:a16="http://schemas.microsoft.com/office/drawing/2014/main" xmlns="" id="{74CD14DB-BB81-479F-A1FC-1C75640E9F84}"/>
+                <a16:creationId xmlns="" xmlns:a16="http://schemas.microsoft.com/office/drawing/2014/main" id="{74CD14DB-BB81-479F-A1FC-1C75640E9F84}"/>
               </a:ext>
               <a:ext uri="{C183D7F6-B498-43B3-948B-1728B52AA6E4}">
-                <adec:decorative xmlns:adec="http://schemas.microsoft.com/office/drawing/2017/decorative" xmlns="" val="1"/>
+                <adec:decorative xmlns="" xmlns:adec="http://schemas.microsoft.com/office/drawing/2017/decorative" val="1"/>
               </a:ext>
             </a:extLst>
           </p:cNvPr>
@@ -15909,10 +15893,10 @@
           <p:cNvPr id="10" name="Rectangle 9">
             <a:extLst>
               <a:ext uri="{FF2B5EF4-FFF2-40B4-BE49-F238E27FC236}">
-                <a16:creationId xmlns:a16="http://schemas.microsoft.com/office/drawing/2014/main" xmlns="" id="{C943A91B-7CA7-4592-A975-73B1BF8C4C74}"/>
+                <a16:creationId xmlns="" xmlns:a16="http://schemas.microsoft.com/office/drawing/2014/main" id="{C943A91B-7CA7-4592-A975-73B1BF8C4C74}"/>
               </a:ext>
               <a:ext uri="{C183D7F6-B498-43B3-948B-1728B52AA6E4}">
-                <adec:decorative xmlns:adec="http://schemas.microsoft.com/office/drawing/2017/decorative" xmlns="" val="1"/>
+                <adec:decorative xmlns="" xmlns:adec="http://schemas.microsoft.com/office/drawing/2017/decorative" val="1"/>
               </a:ext>
             </a:extLst>
           </p:cNvPr>
@@ -15962,10 +15946,10 @@
           <p:cNvPr id="12" name="Freeform 7">
             <a:extLst>
               <a:ext uri="{FF2B5EF4-FFF2-40B4-BE49-F238E27FC236}">
-                <a16:creationId xmlns:a16="http://schemas.microsoft.com/office/drawing/2014/main" xmlns="" id="{EC471314-E46A-414B-8D91-74880E84F187}"/>
+                <a16:creationId xmlns="" xmlns:a16="http://schemas.microsoft.com/office/drawing/2014/main" id="{EC471314-E46A-414B-8D91-74880E84F187}"/>
               </a:ext>
               <a:ext uri="{C183D7F6-B498-43B3-948B-1728B52AA6E4}">
-                <adec:decorative xmlns:adec="http://schemas.microsoft.com/office/drawing/2017/decorative" xmlns="" val="1"/>
+                <adec:decorative xmlns="" xmlns:adec="http://schemas.microsoft.com/office/drawing/2017/decorative" val="1"/>
               </a:ext>
             </a:extLst>
           </p:cNvPr>
@@ -16351,10 +16335,10 @@
           <p:cNvPr id="14" name="Freeform: Shape 13">
             <a:extLst>
               <a:ext uri="{FF2B5EF4-FFF2-40B4-BE49-F238E27FC236}">
-                <a16:creationId xmlns:a16="http://schemas.microsoft.com/office/drawing/2014/main" xmlns="" id="{6A681326-1C9D-44A3-A627-3871BDAE4127}"/>
+                <a16:creationId xmlns="" xmlns:a16="http://schemas.microsoft.com/office/drawing/2014/main" id="{6A681326-1C9D-44A3-A627-3871BDAE4127}"/>
               </a:ext>
               <a:ext uri="{C183D7F6-B498-43B3-948B-1728B52AA6E4}">
-                <adec:decorative xmlns:adec="http://schemas.microsoft.com/office/drawing/2017/decorative" xmlns="" val="1"/>
+                <adec:decorative xmlns="" xmlns:adec="http://schemas.microsoft.com/office/drawing/2017/decorative" val="1"/>
               </a:ext>
             </a:extLst>
           </p:cNvPr>
@@ -16814,7 +16798,7 @@
           <p:cNvPr id="2" name="Title 1">
             <a:extLst>
               <a:ext uri="{FF2B5EF4-FFF2-40B4-BE49-F238E27FC236}">
-                <a16:creationId xmlns:a16="http://schemas.microsoft.com/office/drawing/2014/main" xmlns="" id="{5343FD55-52BA-49ED-8622-99BA403F87BD}"/>
+                <a16:creationId xmlns="" xmlns:a16="http://schemas.microsoft.com/office/drawing/2014/main" id="{5343FD55-52BA-49ED-8622-99BA403F87BD}"/>
               </a:ext>
             </a:extLst>
           </p:cNvPr>
@@ -16853,7 +16837,7 @@
           <p:cNvPr id="3" name="Content Placeholder 2">
             <a:extLst>
               <a:ext uri="{FF2B5EF4-FFF2-40B4-BE49-F238E27FC236}">
-                <a16:creationId xmlns:a16="http://schemas.microsoft.com/office/drawing/2014/main" xmlns="" id="{03D921A0-DB4F-49E7-B69F-84CE55C2AD6E}"/>
+                <a16:creationId xmlns="" xmlns:a16="http://schemas.microsoft.com/office/drawing/2014/main" id="{03D921A0-DB4F-49E7-B69F-84CE55C2AD6E}"/>
               </a:ext>
             </a:extLst>
           </p:cNvPr>
@@ -16944,10 +16928,10 @@
           <p:cNvPr id="8" name="Rectangle 7">
             <a:extLst>
               <a:ext uri="{FF2B5EF4-FFF2-40B4-BE49-F238E27FC236}">
-                <a16:creationId xmlns:a16="http://schemas.microsoft.com/office/drawing/2014/main" xmlns="" id="{74CD14DB-BB81-479F-A1FC-1C75640E9F84}"/>
+                <a16:creationId xmlns="" xmlns:a16="http://schemas.microsoft.com/office/drawing/2014/main" id="{74CD14DB-BB81-479F-A1FC-1C75640E9F84}"/>
               </a:ext>
               <a:ext uri="{C183D7F6-B498-43B3-948B-1728B52AA6E4}">
-                <adec:decorative xmlns:adec="http://schemas.microsoft.com/office/drawing/2017/decorative" xmlns="" val="1"/>
+                <adec:decorative xmlns="" xmlns:adec="http://schemas.microsoft.com/office/drawing/2017/decorative" val="1"/>
               </a:ext>
             </a:extLst>
           </p:cNvPr>
@@ -17033,10 +17017,10 @@
           <p:cNvPr id="10" name="Rectangle 9">
             <a:extLst>
               <a:ext uri="{FF2B5EF4-FFF2-40B4-BE49-F238E27FC236}">
-                <a16:creationId xmlns:a16="http://schemas.microsoft.com/office/drawing/2014/main" xmlns="" id="{C943A91B-7CA7-4592-A975-73B1BF8C4C74}"/>
+                <a16:creationId xmlns="" xmlns:a16="http://schemas.microsoft.com/office/drawing/2014/main" id="{C943A91B-7CA7-4592-A975-73B1BF8C4C74}"/>
               </a:ext>
               <a:ext uri="{C183D7F6-B498-43B3-948B-1728B52AA6E4}">
-                <adec:decorative xmlns:adec="http://schemas.microsoft.com/office/drawing/2017/decorative" xmlns="" val="1"/>
+                <adec:decorative xmlns="" xmlns:adec="http://schemas.microsoft.com/office/drawing/2017/decorative" val="1"/>
               </a:ext>
             </a:extLst>
           </p:cNvPr>
@@ -17086,10 +17070,10 @@
           <p:cNvPr id="12" name="Freeform 7">
             <a:extLst>
               <a:ext uri="{FF2B5EF4-FFF2-40B4-BE49-F238E27FC236}">
-                <a16:creationId xmlns:a16="http://schemas.microsoft.com/office/drawing/2014/main" xmlns="" id="{EC471314-E46A-414B-8D91-74880E84F187}"/>
+                <a16:creationId xmlns="" xmlns:a16="http://schemas.microsoft.com/office/drawing/2014/main" id="{EC471314-E46A-414B-8D91-74880E84F187}"/>
               </a:ext>
               <a:ext uri="{C183D7F6-B498-43B3-948B-1728B52AA6E4}">
-                <adec:decorative xmlns:adec="http://schemas.microsoft.com/office/drawing/2017/decorative" xmlns="" val="1"/>
+                <adec:decorative xmlns="" xmlns:adec="http://schemas.microsoft.com/office/drawing/2017/decorative" val="1"/>
               </a:ext>
             </a:extLst>
           </p:cNvPr>
@@ -17475,10 +17459,10 @@
           <p:cNvPr id="14" name="Freeform: Shape 13">
             <a:extLst>
               <a:ext uri="{FF2B5EF4-FFF2-40B4-BE49-F238E27FC236}">
-                <a16:creationId xmlns:a16="http://schemas.microsoft.com/office/drawing/2014/main" xmlns="" id="{6A681326-1C9D-44A3-A627-3871BDAE4127}"/>
+                <a16:creationId xmlns="" xmlns:a16="http://schemas.microsoft.com/office/drawing/2014/main" id="{6A681326-1C9D-44A3-A627-3871BDAE4127}"/>
               </a:ext>
               <a:ext uri="{C183D7F6-B498-43B3-948B-1728B52AA6E4}">
-                <adec:decorative xmlns:adec="http://schemas.microsoft.com/office/drawing/2017/decorative" xmlns="" val="1"/>
+                <adec:decorative xmlns="" xmlns:adec="http://schemas.microsoft.com/office/drawing/2017/decorative" val="1"/>
               </a:ext>
             </a:extLst>
           </p:cNvPr>
@@ -17938,7 +17922,7 @@
           <p:cNvPr id="2" name="Title 1">
             <a:extLst>
               <a:ext uri="{FF2B5EF4-FFF2-40B4-BE49-F238E27FC236}">
-                <a16:creationId xmlns:a16="http://schemas.microsoft.com/office/drawing/2014/main" xmlns="" id="{5343FD55-52BA-49ED-8622-99BA403F87BD}"/>
+                <a16:creationId xmlns="" xmlns:a16="http://schemas.microsoft.com/office/drawing/2014/main" id="{5343FD55-52BA-49ED-8622-99BA403F87BD}"/>
               </a:ext>
             </a:extLst>
           </p:cNvPr>
@@ -17977,7 +17961,7 @@
           <p:cNvPr id="3" name="Content Placeholder 2">
             <a:extLst>
               <a:ext uri="{FF2B5EF4-FFF2-40B4-BE49-F238E27FC236}">
-                <a16:creationId xmlns:a16="http://schemas.microsoft.com/office/drawing/2014/main" xmlns="" id="{03D921A0-DB4F-49E7-B69F-84CE55C2AD6E}"/>
+                <a16:creationId xmlns="" xmlns:a16="http://schemas.microsoft.com/office/drawing/2014/main" id="{03D921A0-DB4F-49E7-B69F-84CE55C2AD6E}"/>
               </a:ext>
             </a:extLst>
           </p:cNvPr>
@@ -18084,10 +18068,10 @@
           <p:cNvPr id="8" name="Rectangle 7">
             <a:extLst>
               <a:ext uri="{FF2B5EF4-FFF2-40B4-BE49-F238E27FC236}">
-                <a16:creationId xmlns:a16="http://schemas.microsoft.com/office/drawing/2014/main" xmlns="" id="{74CD14DB-BB81-479F-A1FC-1C75640E9F84}"/>
+                <a16:creationId xmlns="" xmlns:a16="http://schemas.microsoft.com/office/drawing/2014/main" id="{74CD14DB-BB81-479F-A1FC-1C75640E9F84}"/>
               </a:ext>
               <a:ext uri="{C183D7F6-B498-43B3-948B-1728B52AA6E4}">
-                <adec:decorative xmlns:adec="http://schemas.microsoft.com/office/drawing/2017/decorative" xmlns="" val="1"/>
+                <adec:decorative xmlns="" xmlns:adec="http://schemas.microsoft.com/office/drawing/2017/decorative" val="1"/>
               </a:ext>
             </a:extLst>
           </p:cNvPr>
@@ -18173,10 +18157,10 @@
           <p:cNvPr id="10" name="Rectangle 9">
             <a:extLst>
               <a:ext uri="{FF2B5EF4-FFF2-40B4-BE49-F238E27FC236}">
-                <a16:creationId xmlns:a16="http://schemas.microsoft.com/office/drawing/2014/main" xmlns="" id="{C943A91B-7CA7-4592-A975-73B1BF8C4C74}"/>
+                <a16:creationId xmlns="" xmlns:a16="http://schemas.microsoft.com/office/drawing/2014/main" id="{C943A91B-7CA7-4592-A975-73B1BF8C4C74}"/>
               </a:ext>
               <a:ext uri="{C183D7F6-B498-43B3-948B-1728B52AA6E4}">
-                <adec:decorative xmlns:adec="http://schemas.microsoft.com/office/drawing/2017/decorative" xmlns="" val="1"/>
+                <adec:decorative xmlns="" xmlns:adec="http://schemas.microsoft.com/office/drawing/2017/decorative" val="1"/>
               </a:ext>
             </a:extLst>
           </p:cNvPr>
@@ -18226,10 +18210,10 @@
           <p:cNvPr id="12" name="Freeform 7">
             <a:extLst>
               <a:ext uri="{FF2B5EF4-FFF2-40B4-BE49-F238E27FC236}">
-                <a16:creationId xmlns:a16="http://schemas.microsoft.com/office/drawing/2014/main" xmlns="" id="{EC471314-E46A-414B-8D91-74880E84F187}"/>
+                <a16:creationId xmlns="" xmlns:a16="http://schemas.microsoft.com/office/drawing/2014/main" id="{EC471314-E46A-414B-8D91-74880E84F187}"/>
               </a:ext>
               <a:ext uri="{C183D7F6-B498-43B3-948B-1728B52AA6E4}">
-                <adec:decorative xmlns:adec="http://schemas.microsoft.com/office/drawing/2017/decorative" xmlns="" val="1"/>
+                <adec:decorative xmlns="" xmlns:adec="http://schemas.microsoft.com/office/drawing/2017/decorative" val="1"/>
               </a:ext>
             </a:extLst>
           </p:cNvPr>
@@ -18615,10 +18599,10 @@
           <p:cNvPr id="14" name="Freeform: Shape 13">
             <a:extLst>
               <a:ext uri="{FF2B5EF4-FFF2-40B4-BE49-F238E27FC236}">
-                <a16:creationId xmlns:a16="http://schemas.microsoft.com/office/drawing/2014/main" xmlns="" id="{6A681326-1C9D-44A3-A627-3871BDAE4127}"/>
+                <a16:creationId xmlns="" xmlns:a16="http://schemas.microsoft.com/office/drawing/2014/main" id="{6A681326-1C9D-44A3-A627-3871BDAE4127}"/>
               </a:ext>
               <a:ext uri="{C183D7F6-B498-43B3-948B-1728B52AA6E4}">
-                <adec:decorative xmlns:adec="http://schemas.microsoft.com/office/drawing/2017/decorative" xmlns="" val="1"/>
+                <adec:decorative xmlns="" xmlns:adec="http://schemas.microsoft.com/office/drawing/2017/decorative" val="1"/>
               </a:ext>
             </a:extLst>
           </p:cNvPr>
@@ -19078,7 +19062,7 @@
           <p:cNvPr id="2" name="Title 1">
             <a:extLst>
               <a:ext uri="{FF2B5EF4-FFF2-40B4-BE49-F238E27FC236}">
-                <a16:creationId xmlns:a16="http://schemas.microsoft.com/office/drawing/2014/main" xmlns="" id="{2711179C-96B1-4D42-B0BC-8CDF62250646}"/>
+                <a16:creationId xmlns="" xmlns:a16="http://schemas.microsoft.com/office/drawing/2014/main" id="{2711179C-96B1-4D42-B0BC-8CDF62250646}"/>
               </a:ext>
             </a:extLst>
           </p:cNvPr>
@@ -19155,7 +19139,7 @@
         <p:spPr>
           <a:xfrm>
             <a:off x="754743" y="0"/>
-            <a:ext cx="10682514" cy="6858000"/>
+            <a:ext cx="10682515" cy="6858000"/>
           </a:xfrm>
         </p:spPr>
         <p:txBody>
@@ -19166,7 +19150,7 @@
           <a:p>
             <a:pPr algn="l" fontAlgn="ctr"/>
             <a:r>
-              <a:rPr lang="en-US" sz="2800" dirty="0" smtClean="0">
+              <a:rPr lang="en-US" sz="2800" dirty="0">
                 <a:latin typeface="Times New Roman" charset="0"/>
                 <a:ea typeface="Times New Roman" charset="0"/>
                 <a:cs typeface="Times New Roman" charset="0"/>
@@ -19174,14 +19158,14 @@
               <a:t>Except where otherwise noted, this work by</a:t>
             </a:r>
             <a:br>
-              <a:rPr lang="en-US" sz="2800" dirty="0" smtClean="0">
+              <a:rPr lang="en-US" sz="2800" dirty="0">
                 <a:latin typeface="Times New Roman" charset="0"/>
                 <a:ea typeface="Times New Roman" charset="0"/>
                 <a:cs typeface="Times New Roman" charset="0"/>
               </a:rPr>
             </a:br>
             <a:r>
-              <a:rPr lang="en-US" sz="2800" dirty="0" smtClean="0">
+              <a:rPr lang="en-US" sz="2800" dirty="0">
                 <a:latin typeface="Times New Roman" charset="0"/>
                 <a:ea typeface="Times New Roman" charset="0"/>
                 <a:cs typeface="Times New Roman" charset="0"/>
@@ -19189,31 +19173,56 @@
               <a:t>The Shodor Education Foundation, Inc. is licensed under</a:t>
             </a:r>
             <a:br>
-              <a:rPr lang="en-US" sz="2800" dirty="0" smtClean="0">
+              <a:rPr lang="en-US" sz="2800" dirty="0">
                 <a:latin typeface="Times New Roman" charset="0"/>
                 <a:ea typeface="Times New Roman" charset="0"/>
                 <a:cs typeface="Times New Roman" charset="0"/>
               </a:rPr>
             </a:br>
             <a:r>
-              <a:rPr lang="en-US" sz="2800" dirty="0" smtClean="0">
+              <a:rPr lang="en-US" sz="2800" dirty="0">
                 <a:latin typeface="Times New Roman" charset="0"/>
                 <a:ea typeface="Times New Roman" charset="0"/>
                 <a:cs typeface="Times New Roman" charset="0"/>
               </a:rPr>
-              <a:t>CC BY-NC 4.0. To view a copy of this license, visit </a:t>
-            </a:r>
-            <a:r>
-              <a:rPr lang="en-US" sz="2800" dirty="0" smtClean="0">
+              <a:t>CC </a:t>
+            </a:r>
+            <a:r>
+              <a:rPr lang="en-US" sz="2800" dirty="0">
+                <a:latin typeface="Times New Roman" charset="0"/>
+                <a:ea typeface="Times New Roman" charset="0"/>
+                <a:cs typeface="Times New Roman" charset="0"/>
+              </a:rPr>
+              <a:t>BY-SA </a:t>
+            </a:r>
+            <a:r>
+              <a:rPr lang="en-US" sz="2800" dirty="0">
+                <a:latin typeface="Times New Roman" charset="0"/>
+                <a:ea typeface="Times New Roman" charset="0"/>
+                <a:cs typeface="Times New Roman" charset="0"/>
+              </a:rPr>
+              <a:t>4.0. To view a copy of this license, visit </a:t>
+            </a:r>
+            <a:r>
+              <a:rPr lang="en-US" sz="2800" dirty="0">
                 <a:latin typeface="Times New Roman" charset="0"/>
                 <a:ea typeface="Times New Roman" charset="0"/>
                 <a:cs typeface="Times New Roman" charset="0"/>
                 <a:hlinkClick r:id="rId2"/>
               </a:rPr>
-              <a:t>https://creativecommons.org/licenses/by-nc/4.0</a:t>
-            </a:r>
-            <a:r>
-              <a:rPr lang="en-US" sz="2800" dirty="0" smtClean="0">
+              <a:t>https://</a:t>
+            </a:r>
+            <a:r>
+              <a:rPr lang="en-US" sz="2800" dirty="0">
+                <a:latin typeface="Times New Roman" charset="0"/>
+                <a:ea typeface="Times New Roman" charset="0"/>
+                <a:cs typeface="Times New Roman" charset="0"/>
+                <a:hlinkClick r:id="rId2"/>
+              </a:rPr>
+              <a:t>creativecommons.org/licenses/by-sa/4.0</a:t>
+            </a:r>
+            <a:r>
+              <a:rPr lang="en-US" sz="2800" dirty="0">
                 <a:latin typeface="Times New Roman" charset="0"/>
                 <a:ea typeface="Times New Roman" charset="0"/>
                 <a:cs typeface="Times New Roman" charset="0"/>
@@ -19221,14 +19230,14 @@
               <a:t/>
             </a:r>
             <a:br>
-              <a:rPr lang="en-US" sz="2800" dirty="0" smtClean="0">
+              <a:rPr lang="en-US" sz="2800" dirty="0">
                 <a:latin typeface="Times New Roman" charset="0"/>
                 <a:ea typeface="Times New Roman" charset="0"/>
                 <a:cs typeface="Times New Roman" charset="0"/>
               </a:rPr>
             </a:br>
             <a:r>
-              <a:rPr lang="en-US" sz="2800" dirty="0" smtClean="0">
+              <a:rPr lang="en-US" sz="2800" dirty="0">
                 <a:latin typeface="Times New Roman" charset="0"/>
                 <a:ea typeface="Times New Roman" charset="0"/>
                 <a:cs typeface="Times New Roman" charset="0"/>
@@ -19236,14 +19245,14 @@
               <a:t/>
             </a:r>
             <a:br>
-              <a:rPr lang="en-US" sz="2800" dirty="0" smtClean="0">
+              <a:rPr lang="en-US" sz="2800" dirty="0">
                 <a:latin typeface="Times New Roman" charset="0"/>
                 <a:ea typeface="Times New Roman" charset="0"/>
                 <a:cs typeface="Times New Roman" charset="0"/>
               </a:rPr>
             </a:br>
             <a:r>
-              <a:rPr lang="en-US" sz="2800" dirty="0" smtClean="0">
+              <a:rPr lang="en-US" sz="2800" dirty="0">
                 <a:latin typeface="Times New Roman" charset="0"/>
                 <a:ea typeface="Times New Roman" charset="0"/>
                 <a:cs typeface="Times New Roman" charset="0"/>
@@ -19251,7 +19260,7 @@
               <a:t>Browse and search the full curriculum at </a:t>
             </a:r>
             <a:r>
-              <a:rPr lang="en-US" sz="2800" dirty="0" smtClean="0">
+              <a:rPr lang="en-US" sz="2800" dirty="0">
                 <a:latin typeface="Times New Roman" charset="0"/>
                 <a:ea typeface="Times New Roman" charset="0"/>
                 <a:cs typeface="Times New Roman" charset="0"/>
@@ -19260,7 +19269,7 @@
               <a:t>http://shodor.org/petascale/materials/semester-curriculum</a:t>
             </a:r>
             <a:r>
-              <a:rPr lang="en-US" sz="2800" dirty="0" smtClean="0">
+              <a:rPr lang="en-US" sz="2800" dirty="0">
                 <a:latin typeface="Times New Roman" charset="0"/>
                 <a:ea typeface="Times New Roman" charset="0"/>
                 <a:cs typeface="Times New Roman" charset="0"/>
@@ -19268,14 +19277,14 @@
               <a:t/>
             </a:r>
             <a:br>
-              <a:rPr lang="en-US" sz="2800" dirty="0" smtClean="0">
+              <a:rPr lang="en-US" sz="2800" dirty="0">
                 <a:latin typeface="Times New Roman" charset="0"/>
                 <a:ea typeface="Times New Roman" charset="0"/>
                 <a:cs typeface="Times New Roman" charset="0"/>
               </a:rPr>
             </a:br>
             <a:r>
-              <a:rPr lang="en-US" sz="2800" dirty="0" smtClean="0">
+              <a:rPr lang="en-US" sz="2800" dirty="0">
                 <a:latin typeface="Times New Roman" charset="0"/>
                 <a:ea typeface="Times New Roman" charset="0"/>
                 <a:cs typeface="Times New Roman" charset="0"/>
@@ -19283,14 +19292,14 @@
               <a:t/>
             </a:r>
             <a:br>
-              <a:rPr lang="en-US" sz="2800" dirty="0" smtClean="0">
+              <a:rPr lang="en-US" sz="2800" dirty="0">
                 <a:latin typeface="Times New Roman" charset="0"/>
                 <a:ea typeface="Times New Roman" charset="0"/>
                 <a:cs typeface="Times New Roman" charset="0"/>
               </a:rPr>
             </a:br>
             <a:r>
-              <a:rPr lang="en-US" sz="2800" dirty="0" smtClean="0">
+              <a:rPr lang="en-US" sz="2800" dirty="0">
                 <a:latin typeface="Times New Roman" charset="0"/>
                 <a:ea typeface="Times New Roman" charset="0"/>
                 <a:cs typeface="Times New Roman" charset="0"/>
@@ -19298,7 +19307,7 @@
               <a:t>We welcome your improvements! You can submit your proposed changes to this material and the rest of the curriculum in our GitHub repository at </a:t>
             </a:r>
             <a:r>
-              <a:rPr lang="en-US" sz="2800" dirty="0" smtClean="0">
+              <a:rPr lang="en-US" sz="2800" dirty="0">
                 <a:latin typeface="Times New Roman" charset="0"/>
                 <a:ea typeface="Times New Roman" charset="0"/>
                 <a:cs typeface="Times New Roman" charset="0"/>
@@ -19307,7 +19316,7 @@
               <a:t>https://github.com/shodor-education/petascale-semester-curriculum</a:t>
             </a:r>
             <a:r>
-              <a:rPr lang="en-US" sz="2800" dirty="0" smtClean="0">
+              <a:rPr lang="en-US" sz="2800" dirty="0">
                 <a:latin typeface="Times New Roman" charset="0"/>
                 <a:ea typeface="Times New Roman" charset="0"/>
                 <a:cs typeface="Times New Roman" charset="0"/>
@@ -19315,14 +19324,14 @@
               <a:t/>
             </a:r>
             <a:br>
-              <a:rPr lang="en-US" sz="2800" dirty="0" smtClean="0">
+              <a:rPr lang="en-US" sz="2800" dirty="0">
                 <a:latin typeface="Times New Roman" charset="0"/>
                 <a:ea typeface="Times New Roman" charset="0"/>
                 <a:cs typeface="Times New Roman" charset="0"/>
               </a:rPr>
             </a:br>
             <a:r>
-              <a:rPr lang="en-US" sz="2800" dirty="0" smtClean="0">
+              <a:rPr lang="en-US" sz="2800" dirty="0">
                 <a:latin typeface="Times New Roman" charset="0"/>
                 <a:ea typeface="Times New Roman" charset="0"/>
                 <a:cs typeface="Times New Roman" charset="0"/>
@@ -19330,14 +19339,14 @@
               <a:t/>
             </a:r>
             <a:br>
-              <a:rPr lang="en-US" sz="2800" dirty="0" smtClean="0">
+              <a:rPr lang="en-US" sz="2800" dirty="0">
                 <a:latin typeface="Times New Roman" charset="0"/>
                 <a:ea typeface="Times New Roman" charset="0"/>
                 <a:cs typeface="Times New Roman" charset="0"/>
               </a:rPr>
             </a:br>
             <a:r>
-              <a:rPr lang="en-US" sz="2800" dirty="0" smtClean="0">
+              <a:rPr lang="en-US" sz="2800" dirty="0">
                 <a:latin typeface="Times New Roman" charset="0"/>
                 <a:ea typeface="Times New Roman" charset="0"/>
                 <a:cs typeface="Times New Roman" charset="0"/>
@@ -19345,7 +19354,7 @@
               <a:t>We want to hear from you! Please let us know your experiences using this material by sending email to </a:t>
             </a:r>
             <a:r>
-              <a:rPr lang="en-US" sz="2800" dirty="0" smtClean="0">
+              <a:rPr lang="en-US" sz="2800" dirty="0">
                 <a:latin typeface="Times New Roman" charset="0"/>
                 <a:ea typeface="Times New Roman" charset="0"/>
                 <a:cs typeface="Times New Roman" charset="0"/>
@@ -19364,7 +19373,7 @@
     </p:spTree>
     <p:extLst>
       <p:ext uri="{BB962C8B-B14F-4D97-AF65-F5344CB8AC3E}">
-        <p14:creationId xmlns:p14="http://schemas.microsoft.com/office/powerpoint/2010/main" val="593462246"/>
+        <p14:creationId xmlns:p14="http://schemas.microsoft.com/office/powerpoint/2010/main" val="2022279326"/>
       </p:ext>
     </p:extLst>
   </p:cSld>
@@ -19424,10 +19433,10 @@
           <p:cNvPr id="8" name="Rectangle 7">
             <a:extLst>
               <a:ext uri="{FF2B5EF4-FFF2-40B4-BE49-F238E27FC236}">
-                <a16:creationId xmlns:a16="http://schemas.microsoft.com/office/drawing/2014/main" xmlns="" id="{DE27238C-8EAF-4098-86E6-7723B7DAE601}"/>
+                <a16:creationId xmlns="" xmlns:a16="http://schemas.microsoft.com/office/drawing/2014/main" id="{DE27238C-8EAF-4098-86E6-7723B7DAE601}"/>
               </a:ext>
               <a:ext uri="{C183D7F6-B498-43B3-948B-1728B52AA6E4}">
-                <adec:decorative xmlns:adec="http://schemas.microsoft.com/office/drawing/2017/decorative" xmlns="" val="1"/>
+                <adec:decorative xmlns="" xmlns:adec="http://schemas.microsoft.com/office/drawing/2017/decorative" val="1"/>
               </a:ext>
             </a:extLst>
           </p:cNvPr>
@@ -19487,10 +19496,10 @@
           <p:cNvPr id="10" name="Freeform 36">
             <a:extLst>
               <a:ext uri="{FF2B5EF4-FFF2-40B4-BE49-F238E27FC236}">
-                <a16:creationId xmlns:a16="http://schemas.microsoft.com/office/drawing/2014/main" xmlns="" id="{992F97B1-1891-4FCC-9E5F-BA97EDB48F89}"/>
+                <a16:creationId xmlns="" xmlns:a16="http://schemas.microsoft.com/office/drawing/2014/main" id="{992F97B1-1891-4FCC-9E5F-BA97EDB48F89}"/>
               </a:ext>
               <a:ext uri="{C183D7F6-B498-43B3-948B-1728B52AA6E4}">
-                <adec:decorative xmlns:adec="http://schemas.microsoft.com/office/drawing/2017/decorative" xmlns="" val="1"/>
+                <adec:decorative xmlns="" xmlns:adec="http://schemas.microsoft.com/office/drawing/2017/decorative" val="1"/>
               </a:ext>
             </a:extLst>
           </p:cNvPr>
@@ -19841,10 +19850,10 @@
           <p:cNvPr id="12" name="Freeform: Shape 11">
             <a:extLst>
               <a:ext uri="{FF2B5EF4-FFF2-40B4-BE49-F238E27FC236}">
-                <a16:creationId xmlns:a16="http://schemas.microsoft.com/office/drawing/2014/main" xmlns="" id="{78C6C821-FEE1-4EB6-9590-C021440C77DE}"/>
+                <a16:creationId xmlns="" xmlns:a16="http://schemas.microsoft.com/office/drawing/2014/main" id="{78C6C821-FEE1-4EB6-9590-C021440C77DE}"/>
               </a:ext>
               <a:ext uri="{C183D7F6-B498-43B3-948B-1728B52AA6E4}">
-                <adec:decorative xmlns:adec="http://schemas.microsoft.com/office/drawing/2017/decorative" xmlns="" val="1"/>
+                <adec:decorative xmlns="" xmlns:adec="http://schemas.microsoft.com/office/drawing/2017/decorative" val="1"/>
               </a:ext>
             </a:extLst>
           </p:cNvPr>
@@ -20385,7 +20394,7 @@
           <p:cNvPr id="2" name="Title 1">
             <a:extLst>
               <a:ext uri="{FF2B5EF4-FFF2-40B4-BE49-F238E27FC236}">
-                <a16:creationId xmlns:a16="http://schemas.microsoft.com/office/drawing/2014/main" xmlns="" id="{B4A50DC5-78F7-43A1-BB91-7DBF8F6AEF90}"/>
+                <a16:creationId xmlns="" xmlns:a16="http://schemas.microsoft.com/office/drawing/2014/main" id="{B4A50DC5-78F7-43A1-BB91-7DBF8F6AEF90}"/>
               </a:ext>
             </a:extLst>
           </p:cNvPr>
@@ -20425,10 +20434,10 @@
           <p:cNvPr id="14" name="Rectangle 13">
             <a:extLst>
               <a:ext uri="{FF2B5EF4-FFF2-40B4-BE49-F238E27FC236}">
-                <a16:creationId xmlns:a16="http://schemas.microsoft.com/office/drawing/2014/main" xmlns="" id="{B61A74B3-E247-44D4-8C48-FAE8E2056401}"/>
+                <a16:creationId xmlns="" xmlns:a16="http://schemas.microsoft.com/office/drawing/2014/main" id="{B61A74B3-E247-44D4-8C48-FAE8E2056401}"/>
               </a:ext>
               <a:ext uri="{C183D7F6-B498-43B3-948B-1728B52AA6E4}">
-                <adec:decorative xmlns:adec="http://schemas.microsoft.com/office/drawing/2017/decorative" xmlns="" val="1"/>
+                <adec:decorative xmlns="" xmlns:adec="http://schemas.microsoft.com/office/drawing/2017/decorative" val="1"/>
               </a:ext>
             </a:extLst>
           </p:cNvPr>
@@ -20516,10 +20525,10 @@
           <p:cNvPr id="8" name="Rectangle 7">
             <a:extLst>
               <a:ext uri="{FF2B5EF4-FFF2-40B4-BE49-F238E27FC236}">
-                <a16:creationId xmlns:a16="http://schemas.microsoft.com/office/drawing/2014/main" xmlns="" id="{74CD14DB-BB81-479F-A1FC-1C75640E9F84}"/>
+                <a16:creationId xmlns="" xmlns:a16="http://schemas.microsoft.com/office/drawing/2014/main" id="{74CD14DB-BB81-479F-A1FC-1C75640E9F84}"/>
               </a:ext>
               <a:ext uri="{C183D7F6-B498-43B3-948B-1728B52AA6E4}">
-                <adec:decorative xmlns:adec="http://schemas.microsoft.com/office/drawing/2017/decorative" xmlns="" val="1"/>
+                <adec:decorative xmlns="" xmlns:adec="http://schemas.microsoft.com/office/drawing/2017/decorative" val="1"/>
               </a:ext>
             </a:extLst>
           </p:cNvPr>
@@ -20605,10 +20614,10 @@
           <p:cNvPr id="10" name="Rectangle 9">
             <a:extLst>
               <a:ext uri="{FF2B5EF4-FFF2-40B4-BE49-F238E27FC236}">
-                <a16:creationId xmlns:a16="http://schemas.microsoft.com/office/drawing/2014/main" xmlns="" id="{C943A91B-7CA7-4592-A975-73B1BF8C4C74}"/>
+                <a16:creationId xmlns="" xmlns:a16="http://schemas.microsoft.com/office/drawing/2014/main" id="{C943A91B-7CA7-4592-A975-73B1BF8C4C74}"/>
               </a:ext>
               <a:ext uri="{C183D7F6-B498-43B3-948B-1728B52AA6E4}">
-                <adec:decorative xmlns:adec="http://schemas.microsoft.com/office/drawing/2017/decorative" xmlns="" val="1"/>
+                <adec:decorative xmlns="" xmlns:adec="http://schemas.microsoft.com/office/drawing/2017/decorative" val="1"/>
               </a:ext>
             </a:extLst>
           </p:cNvPr>
@@ -20658,10 +20667,10 @@
           <p:cNvPr id="12" name="Freeform 7">
             <a:extLst>
               <a:ext uri="{FF2B5EF4-FFF2-40B4-BE49-F238E27FC236}">
-                <a16:creationId xmlns:a16="http://schemas.microsoft.com/office/drawing/2014/main" xmlns="" id="{EC471314-E46A-414B-8D91-74880E84F187}"/>
+                <a16:creationId xmlns="" xmlns:a16="http://schemas.microsoft.com/office/drawing/2014/main" id="{EC471314-E46A-414B-8D91-74880E84F187}"/>
               </a:ext>
               <a:ext uri="{C183D7F6-B498-43B3-948B-1728B52AA6E4}">
-                <adec:decorative xmlns:adec="http://schemas.microsoft.com/office/drawing/2017/decorative" xmlns="" val="1"/>
+                <adec:decorative xmlns="" xmlns:adec="http://schemas.microsoft.com/office/drawing/2017/decorative" val="1"/>
               </a:ext>
             </a:extLst>
           </p:cNvPr>
@@ -21047,10 +21056,10 @@
           <p:cNvPr id="14" name="Freeform: Shape 13">
             <a:extLst>
               <a:ext uri="{FF2B5EF4-FFF2-40B4-BE49-F238E27FC236}">
-                <a16:creationId xmlns:a16="http://schemas.microsoft.com/office/drawing/2014/main" xmlns="" id="{6A681326-1C9D-44A3-A627-3871BDAE4127}"/>
+                <a16:creationId xmlns="" xmlns:a16="http://schemas.microsoft.com/office/drawing/2014/main" id="{6A681326-1C9D-44A3-A627-3871BDAE4127}"/>
               </a:ext>
               <a:ext uri="{C183D7F6-B498-43B3-948B-1728B52AA6E4}">
-                <adec:decorative xmlns:adec="http://schemas.microsoft.com/office/drawing/2017/decorative" xmlns="" val="1"/>
+                <adec:decorative xmlns="" xmlns:adec="http://schemas.microsoft.com/office/drawing/2017/decorative" val="1"/>
               </a:ext>
             </a:extLst>
           </p:cNvPr>
@@ -21510,7 +21519,7 @@
           <p:cNvPr id="2" name="Title 1">
             <a:extLst>
               <a:ext uri="{FF2B5EF4-FFF2-40B4-BE49-F238E27FC236}">
-                <a16:creationId xmlns:a16="http://schemas.microsoft.com/office/drawing/2014/main" xmlns="" id="{5343FD55-52BA-49ED-8622-99BA403F87BD}"/>
+                <a16:creationId xmlns="" xmlns:a16="http://schemas.microsoft.com/office/drawing/2014/main" id="{5343FD55-52BA-49ED-8622-99BA403F87BD}"/>
               </a:ext>
             </a:extLst>
           </p:cNvPr>
@@ -21549,7 +21558,7 @@
           <p:cNvPr id="3" name="Content Placeholder 2">
             <a:extLst>
               <a:ext uri="{FF2B5EF4-FFF2-40B4-BE49-F238E27FC236}">
-                <a16:creationId xmlns:a16="http://schemas.microsoft.com/office/drawing/2014/main" xmlns="" id="{03D921A0-DB4F-49E7-B69F-84CE55C2AD6E}"/>
+                <a16:creationId xmlns="" xmlns:a16="http://schemas.microsoft.com/office/drawing/2014/main" id="{03D921A0-DB4F-49E7-B69F-84CE55C2AD6E}"/>
               </a:ext>
             </a:extLst>
           </p:cNvPr>
@@ -21782,10 +21791,10 @@
           <p:cNvPr id="8" name="Rectangle 7">
             <a:extLst>
               <a:ext uri="{FF2B5EF4-FFF2-40B4-BE49-F238E27FC236}">
-                <a16:creationId xmlns:a16="http://schemas.microsoft.com/office/drawing/2014/main" xmlns="" id="{74CD14DB-BB81-479F-A1FC-1C75640E9F84}"/>
+                <a16:creationId xmlns="" xmlns:a16="http://schemas.microsoft.com/office/drawing/2014/main" id="{74CD14DB-BB81-479F-A1FC-1C75640E9F84}"/>
               </a:ext>
               <a:ext uri="{C183D7F6-B498-43B3-948B-1728B52AA6E4}">
-                <adec:decorative xmlns:adec="http://schemas.microsoft.com/office/drawing/2017/decorative" xmlns="" val="1"/>
+                <adec:decorative xmlns="" xmlns:adec="http://schemas.microsoft.com/office/drawing/2017/decorative" val="1"/>
               </a:ext>
             </a:extLst>
           </p:cNvPr>
@@ -21871,10 +21880,10 @@
           <p:cNvPr id="10" name="Rectangle 9">
             <a:extLst>
               <a:ext uri="{FF2B5EF4-FFF2-40B4-BE49-F238E27FC236}">
-                <a16:creationId xmlns:a16="http://schemas.microsoft.com/office/drawing/2014/main" xmlns="" id="{C943A91B-7CA7-4592-A975-73B1BF8C4C74}"/>
+                <a16:creationId xmlns="" xmlns:a16="http://schemas.microsoft.com/office/drawing/2014/main" id="{C943A91B-7CA7-4592-A975-73B1BF8C4C74}"/>
               </a:ext>
               <a:ext uri="{C183D7F6-B498-43B3-948B-1728B52AA6E4}">
-                <adec:decorative xmlns:adec="http://schemas.microsoft.com/office/drawing/2017/decorative" xmlns="" val="1"/>
+                <adec:decorative xmlns="" xmlns:adec="http://schemas.microsoft.com/office/drawing/2017/decorative" val="1"/>
               </a:ext>
             </a:extLst>
           </p:cNvPr>
@@ -21924,10 +21933,10 @@
           <p:cNvPr id="12" name="Freeform 7">
             <a:extLst>
               <a:ext uri="{FF2B5EF4-FFF2-40B4-BE49-F238E27FC236}">
-                <a16:creationId xmlns:a16="http://schemas.microsoft.com/office/drawing/2014/main" xmlns="" id="{EC471314-E46A-414B-8D91-74880E84F187}"/>
+                <a16:creationId xmlns="" xmlns:a16="http://schemas.microsoft.com/office/drawing/2014/main" id="{EC471314-E46A-414B-8D91-74880E84F187}"/>
               </a:ext>
               <a:ext uri="{C183D7F6-B498-43B3-948B-1728B52AA6E4}">
-                <adec:decorative xmlns:adec="http://schemas.microsoft.com/office/drawing/2017/decorative" xmlns="" val="1"/>
+                <adec:decorative xmlns="" xmlns:adec="http://schemas.microsoft.com/office/drawing/2017/decorative" val="1"/>
               </a:ext>
             </a:extLst>
           </p:cNvPr>
@@ -22313,10 +22322,10 @@
           <p:cNvPr id="14" name="Freeform: Shape 13">
             <a:extLst>
               <a:ext uri="{FF2B5EF4-FFF2-40B4-BE49-F238E27FC236}">
-                <a16:creationId xmlns:a16="http://schemas.microsoft.com/office/drawing/2014/main" xmlns="" id="{6A681326-1C9D-44A3-A627-3871BDAE4127}"/>
+                <a16:creationId xmlns="" xmlns:a16="http://schemas.microsoft.com/office/drawing/2014/main" id="{6A681326-1C9D-44A3-A627-3871BDAE4127}"/>
               </a:ext>
               <a:ext uri="{C183D7F6-B498-43B3-948B-1728B52AA6E4}">
-                <adec:decorative xmlns:adec="http://schemas.microsoft.com/office/drawing/2017/decorative" xmlns="" val="1"/>
+                <adec:decorative xmlns="" xmlns:adec="http://schemas.microsoft.com/office/drawing/2017/decorative" val="1"/>
               </a:ext>
             </a:extLst>
           </p:cNvPr>
@@ -22776,7 +22785,7 @@
           <p:cNvPr id="2" name="Title 1">
             <a:extLst>
               <a:ext uri="{FF2B5EF4-FFF2-40B4-BE49-F238E27FC236}">
-                <a16:creationId xmlns:a16="http://schemas.microsoft.com/office/drawing/2014/main" xmlns="" id="{5343FD55-52BA-49ED-8622-99BA403F87BD}"/>
+                <a16:creationId xmlns="" xmlns:a16="http://schemas.microsoft.com/office/drawing/2014/main" id="{5343FD55-52BA-49ED-8622-99BA403F87BD}"/>
               </a:ext>
             </a:extLst>
           </p:cNvPr>
@@ -22815,7 +22824,7 @@
           <p:cNvPr id="3" name="Content Placeholder 2">
             <a:extLst>
               <a:ext uri="{FF2B5EF4-FFF2-40B4-BE49-F238E27FC236}">
-                <a16:creationId xmlns:a16="http://schemas.microsoft.com/office/drawing/2014/main" xmlns="" id="{03D921A0-DB4F-49E7-B69F-84CE55C2AD6E}"/>
+                <a16:creationId xmlns="" xmlns:a16="http://schemas.microsoft.com/office/drawing/2014/main" id="{03D921A0-DB4F-49E7-B69F-84CE55C2AD6E}"/>
               </a:ext>
             </a:extLst>
           </p:cNvPr>
@@ -22927,10 +22936,10 @@
           <p:cNvPr id="8" name="Rectangle 7">
             <a:extLst>
               <a:ext uri="{FF2B5EF4-FFF2-40B4-BE49-F238E27FC236}">
-                <a16:creationId xmlns:a16="http://schemas.microsoft.com/office/drawing/2014/main" xmlns="" id="{74CD14DB-BB81-479F-A1FC-1C75640E9F84}"/>
+                <a16:creationId xmlns="" xmlns:a16="http://schemas.microsoft.com/office/drawing/2014/main" id="{74CD14DB-BB81-479F-A1FC-1C75640E9F84}"/>
               </a:ext>
               <a:ext uri="{C183D7F6-B498-43B3-948B-1728B52AA6E4}">
-                <adec:decorative xmlns:adec="http://schemas.microsoft.com/office/drawing/2017/decorative" xmlns="" val="1"/>
+                <adec:decorative xmlns="" xmlns:adec="http://schemas.microsoft.com/office/drawing/2017/decorative" val="1"/>
               </a:ext>
             </a:extLst>
           </p:cNvPr>
@@ -23016,10 +23025,10 @@
           <p:cNvPr id="10" name="Rectangle 9">
             <a:extLst>
               <a:ext uri="{FF2B5EF4-FFF2-40B4-BE49-F238E27FC236}">
-                <a16:creationId xmlns:a16="http://schemas.microsoft.com/office/drawing/2014/main" xmlns="" id="{C943A91B-7CA7-4592-A975-73B1BF8C4C74}"/>
+                <a16:creationId xmlns="" xmlns:a16="http://schemas.microsoft.com/office/drawing/2014/main" id="{C943A91B-7CA7-4592-A975-73B1BF8C4C74}"/>
               </a:ext>
               <a:ext uri="{C183D7F6-B498-43B3-948B-1728B52AA6E4}">
-                <adec:decorative xmlns:adec="http://schemas.microsoft.com/office/drawing/2017/decorative" xmlns="" val="1"/>
+                <adec:decorative xmlns="" xmlns:adec="http://schemas.microsoft.com/office/drawing/2017/decorative" val="1"/>
               </a:ext>
             </a:extLst>
           </p:cNvPr>
@@ -23069,10 +23078,10 @@
           <p:cNvPr id="12" name="Freeform 7">
             <a:extLst>
               <a:ext uri="{FF2B5EF4-FFF2-40B4-BE49-F238E27FC236}">
-                <a16:creationId xmlns:a16="http://schemas.microsoft.com/office/drawing/2014/main" xmlns="" id="{EC471314-E46A-414B-8D91-74880E84F187}"/>
+                <a16:creationId xmlns="" xmlns:a16="http://schemas.microsoft.com/office/drawing/2014/main" id="{EC471314-E46A-414B-8D91-74880E84F187}"/>
               </a:ext>
               <a:ext uri="{C183D7F6-B498-43B3-948B-1728B52AA6E4}">
-                <adec:decorative xmlns:adec="http://schemas.microsoft.com/office/drawing/2017/decorative" xmlns="" val="1"/>
+                <adec:decorative xmlns="" xmlns:adec="http://schemas.microsoft.com/office/drawing/2017/decorative" val="1"/>
               </a:ext>
             </a:extLst>
           </p:cNvPr>
@@ -23458,10 +23467,10 @@
           <p:cNvPr id="14" name="Freeform: Shape 13">
             <a:extLst>
               <a:ext uri="{FF2B5EF4-FFF2-40B4-BE49-F238E27FC236}">
-                <a16:creationId xmlns:a16="http://schemas.microsoft.com/office/drawing/2014/main" xmlns="" id="{6A681326-1C9D-44A3-A627-3871BDAE4127}"/>
+                <a16:creationId xmlns="" xmlns:a16="http://schemas.microsoft.com/office/drawing/2014/main" id="{6A681326-1C9D-44A3-A627-3871BDAE4127}"/>
               </a:ext>
               <a:ext uri="{C183D7F6-B498-43B3-948B-1728B52AA6E4}">
-                <adec:decorative xmlns:adec="http://schemas.microsoft.com/office/drawing/2017/decorative" xmlns="" val="1"/>
+                <adec:decorative xmlns="" xmlns:adec="http://schemas.microsoft.com/office/drawing/2017/decorative" val="1"/>
               </a:ext>
             </a:extLst>
           </p:cNvPr>
@@ -23921,7 +23930,7 @@
           <p:cNvPr id="2" name="Title 1">
             <a:extLst>
               <a:ext uri="{FF2B5EF4-FFF2-40B4-BE49-F238E27FC236}">
-                <a16:creationId xmlns:a16="http://schemas.microsoft.com/office/drawing/2014/main" xmlns="" id="{5343FD55-52BA-49ED-8622-99BA403F87BD}"/>
+                <a16:creationId xmlns="" xmlns:a16="http://schemas.microsoft.com/office/drawing/2014/main" id="{5343FD55-52BA-49ED-8622-99BA403F87BD}"/>
               </a:ext>
             </a:extLst>
           </p:cNvPr>
@@ -23960,7 +23969,7 @@
           <p:cNvPr id="3" name="Content Placeholder 2">
             <a:extLst>
               <a:ext uri="{FF2B5EF4-FFF2-40B4-BE49-F238E27FC236}">
-                <a16:creationId xmlns:a16="http://schemas.microsoft.com/office/drawing/2014/main" xmlns="" id="{03D921A0-DB4F-49E7-B69F-84CE55C2AD6E}"/>
+                <a16:creationId xmlns="" xmlns:a16="http://schemas.microsoft.com/office/drawing/2014/main" id="{03D921A0-DB4F-49E7-B69F-84CE55C2AD6E}"/>
               </a:ext>
             </a:extLst>
           </p:cNvPr>
@@ -24125,10 +24134,10 @@
           <p:cNvPr id="8" name="Rectangle 7">
             <a:extLst>
               <a:ext uri="{FF2B5EF4-FFF2-40B4-BE49-F238E27FC236}">
-                <a16:creationId xmlns:a16="http://schemas.microsoft.com/office/drawing/2014/main" xmlns="" id="{74CD14DB-BB81-479F-A1FC-1C75640E9F84}"/>
+                <a16:creationId xmlns="" xmlns:a16="http://schemas.microsoft.com/office/drawing/2014/main" id="{74CD14DB-BB81-479F-A1FC-1C75640E9F84}"/>
               </a:ext>
               <a:ext uri="{C183D7F6-B498-43B3-948B-1728B52AA6E4}">
-                <adec:decorative xmlns:adec="http://schemas.microsoft.com/office/drawing/2017/decorative" xmlns="" val="1"/>
+                <adec:decorative xmlns="" xmlns:adec="http://schemas.microsoft.com/office/drawing/2017/decorative" val="1"/>
               </a:ext>
             </a:extLst>
           </p:cNvPr>
@@ -24214,10 +24223,10 @@
           <p:cNvPr id="10" name="Rectangle 9">
             <a:extLst>
               <a:ext uri="{FF2B5EF4-FFF2-40B4-BE49-F238E27FC236}">
-                <a16:creationId xmlns:a16="http://schemas.microsoft.com/office/drawing/2014/main" xmlns="" id="{C943A91B-7CA7-4592-A975-73B1BF8C4C74}"/>
+                <a16:creationId xmlns="" xmlns:a16="http://schemas.microsoft.com/office/drawing/2014/main" id="{C943A91B-7CA7-4592-A975-73B1BF8C4C74}"/>
               </a:ext>
               <a:ext uri="{C183D7F6-B498-43B3-948B-1728B52AA6E4}">
-                <adec:decorative xmlns:adec="http://schemas.microsoft.com/office/drawing/2017/decorative" xmlns="" val="1"/>
+                <adec:decorative xmlns="" xmlns:adec="http://schemas.microsoft.com/office/drawing/2017/decorative" val="1"/>
               </a:ext>
             </a:extLst>
           </p:cNvPr>
@@ -24267,10 +24276,10 @@
           <p:cNvPr id="12" name="Freeform 7">
             <a:extLst>
               <a:ext uri="{FF2B5EF4-FFF2-40B4-BE49-F238E27FC236}">
-                <a16:creationId xmlns:a16="http://schemas.microsoft.com/office/drawing/2014/main" xmlns="" id="{EC471314-E46A-414B-8D91-74880E84F187}"/>
+                <a16:creationId xmlns="" xmlns:a16="http://schemas.microsoft.com/office/drawing/2014/main" id="{EC471314-E46A-414B-8D91-74880E84F187}"/>
               </a:ext>
               <a:ext uri="{C183D7F6-B498-43B3-948B-1728B52AA6E4}">
-                <adec:decorative xmlns:adec="http://schemas.microsoft.com/office/drawing/2017/decorative" xmlns="" val="1"/>
+                <adec:decorative xmlns="" xmlns:adec="http://schemas.microsoft.com/office/drawing/2017/decorative" val="1"/>
               </a:ext>
             </a:extLst>
           </p:cNvPr>
@@ -24656,10 +24665,10 @@
           <p:cNvPr id="14" name="Freeform: Shape 13">
             <a:extLst>
               <a:ext uri="{FF2B5EF4-FFF2-40B4-BE49-F238E27FC236}">
-                <a16:creationId xmlns:a16="http://schemas.microsoft.com/office/drawing/2014/main" xmlns="" id="{6A681326-1C9D-44A3-A627-3871BDAE4127}"/>
+                <a16:creationId xmlns="" xmlns:a16="http://schemas.microsoft.com/office/drawing/2014/main" id="{6A681326-1C9D-44A3-A627-3871BDAE4127}"/>
               </a:ext>
               <a:ext uri="{C183D7F6-B498-43B3-948B-1728B52AA6E4}">
-                <adec:decorative xmlns:adec="http://schemas.microsoft.com/office/drawing/2017/decorative" xmlns="" val="1"/>
+                <adec:decorative xmlns="" xmlns:adec="http://schemas.microsoft.com/office/drawing/2017/decorative" val="1"/>
               </a:ext>
             </a:extLst>
           </p:cNvPr>
@@ -25119,7 +25128,7 @@
           <p:cNvPr id="2" name="Title 1">
             <a:extLst>
               <a:ext uri="{FF2B5EF4-FFF2-40B4-BE49-F238E27FC236}">
-                <a16:creationId xmlns:a16="http://schemas.microsoft.com/office/drawing/2014/main" xmlns="" id="{5343FD55-52BA-49ED-8622-99BA403F87BD}"/>
+                <a16:creationId xmlns="" xmlns:a16="http://schemas.microsoft.com/office/drawing/2014/main" id="{5343FD55-52BA-49ED-8622-99BA403F87BD}"/>
               </a:ext>
             </a:extLst>
           </p:cNvPr>
@@ -25158,7 +25167,7 @@
           <p:cNvPr id="3" name="Content Placeholder 2">
             <a:extLst>
               <a:ext uri="{FF2B5EF4-FFF2-40B4-BE49-F238E27FC236}">
-                <a16:creationId xmlns:a16="http://schemas.microsoft.com/office/drawing/2014/main" xmlns="" id="{03D921A0-DB4F-49E7-B69F-84CE55C2AD6E}"/>
+                <a16:creationId xmlns="" xmlns:a16="http://schemas.microsoft.com/office/drawing/2014/main" id="{03D921A0-DB4F-49E7-B69F-84CE55C2AD6E}"/>
               </a:ext>
             </a:extLst>
           </p:cNvPr>
@@ -25314,10 +25323,10 @@
           <p:cNvPr id="8" name="Rectangle 7">
             <a:extLst>
               <a:ext uri="{FF2B5EF4-FFF2-40B4-BE49-F238E27FC236}">
-                <a16:creationId xmlns:a16="http://schemas.microsoft.com/office/drawing/2014/main" xmlns="" id="{74CD14DB-BB81-479F-A1FC-1C75640E9F84}"/>
+                <a16:creationId xmlns="" xmlns:a16="http://schemas.microsoft.com/office/drawing/2014/main" id="{74CD14DB-BB81-479F-A1FC-1C75640E9F84}"/>
               </a:ext>
               <a:ext uri="{C183D7F6-B498-43B3-948B-1728B52AA6E4}">
-                <adec:decorative xmlns:adec="http://schemas.microsoft.com/office/drawing/2017/decorative" xmlns="" val="1"/>
+                <adec:decorative xmlns="" xmlns:adec="http://schemas.microsoft.com/office/drawing/2017/decorative" val="1"/>
               </a:ext>
             </a:extLst>
           </p:cNvPr>
@@ -25403,10 +25412,10 @@
           <p:cNvPr id="10" name="Rectangle 9">
             <a:extLst>
               <a:ext uri="{FF2B5EF4-FFF2-40B4-BE49-F238E27FC236}">
-                <a16:creationId xmlns:a16="http://schemas.microsoft.com/office/drawing/2014/main" xmlns="" id="{C943A91B-7CA7-4592-A975-73B1BF8C4C74}"/>
+                <a16:creationId xmlns="" xmlns:a16="http://schemas.microsoft.com/office/drawing/2014/main" id="{C943A91B-7CA7-4592-A975-73B1BF8C4C74}"/>
               </a:ext>
               <a:ext uri="{C183D7F6-B498-43B3-948B-1728B52AA6E4}">
-                <adec:decorative xmlns:adec="http://schemas.microsoft.com/office/drawing/2017/decorative" xmlns="" val="1"/>
+                <adec:decorative xmlns="" xmlns:adec="http://schemas.microsoft.com/office/drawing/2017/decorative" val="1"/>
               </a:ext>
             </a:extLst>
           </p:cNvPr>
@@ -25456,10 +25465,10 @@
           <p:cNvPr id="12" name="Freeform 7">
             <a:extLst>
               <a:ext uri="{FF2B5EF4-FFF2-40B4-BE49-F238E27FC236}">
-                <a16:creationId xmlns:a16="http://schemas.microsoft.com/office/drawing/2014/main" xmlns="" id="{EC471314-E46A-414B-8D91-74880E84F187}"/>
+                <a16:creationId xmlns="" xmlns:a16="http://schemas.microsoft.com/office/drawing/2014/main" id="{EC471314-E46A-414B-8D91-74880E84F187}"/>
               </a:ext>
               <a:ext uri="{C183D7F6-B498-43B3-948B-1728B52AA6E4}">
-                <adec:decorative xmlns:adec="http://schemas.microsoft.com/office/drawing/2017/decorative" xmlns="" val="1"/>
+                <adec:decorative xmlns="" xmlns:adec="http://schemas.microsoft.com/office/drawing/2017/decorative" val="1"/>
               </a:ext>
             </a:extLst>
           </p:cNvPr>
@@ -25845,10 +25854,10 @@
           <p:cNvPr id="14" name="Freeform: Shape 13">
             <a:extLst>
               <a:ext uri="{FF2B5EF4-FFF2-40B4-BE49-F238E27FC236}">
-                <a16:creationId xmlns:a16="http://schemas.microsoft.com/office/drawing/2014/main" xmlns="" id="{6A681326-1C9D-44A3-A627-3871BDAE4127}"/>
+                <a16:creationId xmlns="" xmlns:a16="http://schemas.microsoft.com/office/drawing/2014/main" id="{6A681326-1C9D-44A3-A627-3871BDAE4127}"/>
               </a:ext>
               <a:ext uri="{C183D7F6-B498-43B3-948B-1728B52AA6E4}">
-                <adec:decorative xmlns:adec="http://schemas.microsoft.com/office/drawing/2017/decorative" xmlns="" val="1"/>
+                <adec:decorative xmlns="" xmlns:adec="http://schemas.microsoft.com/office/drawing/2017/decorative" val="1"/>
               </a:ext>
             </a:extLst>
           </p:cNvPr>
@@ -26308,7 +26317,7 @@
           <p:cNvPr id="2" name="Title 1">
             <a:extLst>
               <a:ext uri="{FF2B5EF4-FFF2-40B4-BE49-F238E27FC236}">
-                <a16:creationId xmlns:a16="http://schemas.microsoft.com/office/drawing/2014/main" xmlns="" id="{5343FD55-52BA-49ED-8622-99BA403F87BD}"/>
+                <a16:creationId xmlns="" xmlns:a16="http://schemas.microsoft.com/office/drawing/2014/main" id="{5343FD55-52BA-49ED-8622-99BA403F87BD}"/>
               </a:ext>
             </a:extLst>
           </p:cNvPr>
@@ -26347,7 +26356,7 @@
           <p:cNvPr id="3" name="Content Placeholder 2">
             <a:extLst>
               <a:ext uri="{FF2B5EF4-FFF2-40B4-BE49-F238E27FC236}">
-                <a16:creationId xmlns:a16="http://schemas.microsoft.com/office/drawing/2014/main" xmlns="" id="{03D921A0-DB4F-49E7-B69F-84CE55C2AD6E}"/>
+                <a16:creationId xmlns="" xmlns:a16="http://schemas.microsoft.com/office/drawing/2014/main" id="{03D921A0-DB4F-49E7-B69F-84CE55C2AD6E}"/>
               </a:ext>
             </a:extLst>
           </p:cNvPr>
@@ -26592,10 +26601,10 @@
           <p:cNvPr id="8" name="Rectangle 7">
             <a:extLst>
               <a:ext uri="{FF2B5EF4-FFF2-40B4-BE49-F238E27FC236}">
-                <a16:creationId xmlns:a16="http://schemas.microsoft.com/office/drawing/2014/main" xmlns="" id="{74CD14DB-BB81-479F-A1FC-1C75640E9F84}"/>
+                <a16:creationId xmlns="" xmlns:a16="http://schemas.microsoft.com/office/drawing/2014/main" id="{74CD14DB-BB81-479F-A1FC-1C75640E9F84}"/>
               </a:ext>
               <a:ext uri="{C183D7F6-B498-43B3-948B-1728B52AA6E4}">
-                <adec:decorative xmlns:adec="http://schemas.microsoft.com/office/drawing/2017/decorative" xmlns="" val="1"/>
+                <adec:decorative xmlns="" xmlns:adec="http://schemas.microsoft.com/office/drawing/2017/decorative" val="1"/>
               </a:ext>
             </a:extLst>
           </p:cNvPr>
@@ -26681,10 +26690,10 @@
           <p:cNvPr id="10" name="Rectangle 9">
             <a:extLst>
               <a:ext uri="{FF2B5EF4-FFF2-40B4-BE49-F238E27FC236}">
-                <a16:creationId xmlns:a16="http://schemas.microsoft.com/office/drawing/2014/main" xmlns="" id="{C943A91B-7CA7-4592-A975-73B1BF8C4C74}"/>
+                <a16:creationId xmlns="" xmlns:a16="http://schemas.microsoft.com/office/drawing/2014/main" id="{C943A91B-7CA7-4592-A975-73B1BF8C4C74}"/>
               </a:ext>
               <a:ext uri="{C183D7F6-B498-43B3-948B-1728B52AA6E4}">
-                <adec:decorative xmlns:adec="http://schemas.microsoft.com/office/drawing/2017/decorative" xmlns="" val="1"/>
+                <adec:decorative xmlns="" xmlns:adec="http://schemas.microsoft.com/office/drawing/2017/decorative" val="1"/>
               </a:ext>
             </a:extLst>
           </p:cNvPr>
@@ -26734,10 +26743,10 @@
           <p:cNvPr id="12" name="Freeform 7">
             <a:extLst>
               <a:ext uri="{FF2B5EF4-FFF2-40B4-BE49-F238E27FC236}">
-                <a16:creationId xmlns:a16="http://schemas.microsoft.com/office/drawing/2014/main" xmlns="" id="{EC471314-E46A-414B-8D91-74880E84F187}"/>
+                <a16:creationId xmlns="" xmlns:a16="http://schemas.microsoft.com/office/drawing/2014/main" id="{EC471314-E46A-414B-8D91-74880E84F187}"/>
               </a:ext>
               <a:ext uri="{C183D7F6-B498-43B3-948B-1728B52AA6E4}">
-                <adec:decorative xmlns:adec="http://schemas.microsoft.com/office/drawing/2017/decorative" xmlns="" val="1"/>
+                <adec:decorative xmlns="" xmlns:adec="http://schemas.microsoft.com/office/drawing/2017/decorative" val="1"/>
               </a:ext>
             </a:extLst>
           </p:cNvPr>
@@ -27123,10 +27132,10 @@
           <p:cNvPr id="14" name="Freeform: Shape 13">
             <a:extLst>
               <a:ext uri="{FF2B5EF4-FFF2-40B4-BE49-F238E27FC236}">
-                <a16:creationId xmlns:a16="http://schemas.microsoft.com/office/drawing/2014/main" xmlns="" id="{6A681326-1C9D-44A3-A627-3871BDAE4127}"/>
+                <a16:creationId xmlns="" xmlns:a16="http://schemas.microsoft.com/office/drawing/2014/main" id="{6A681326-1C9D-44A3-A627-3871BDAE4127}"/>
               </a:ext>
               <a:ext uri="{C183D7F6-B498-43B3-948B-1728B52AA6E4}">
-                <adec:decorative xmlns:adec="http://schemas.microsoft.com/office/drawing/2017/decorative" xmlns="" val="1"/>
+                <adec:decorative xmlns="" xmlns:adec="http://schemas.microsoft.com/office/drawing/2017/decorative" val="1"/>
               </a:ext>
             </a:extLst>
           </p:cNvPr>
@@ -27586,7 +27595,7 @@
           <p:cNvPr id="2" name="Title 1">
             <a:extLst>
               <a:ext uri="{FF2B5EF4-FFF2-40B4-BE49-F238E27FC236}">
-                <a16:creationId xmlns:a16="http://schemas.microsoft.com/office/drawing/2014/main" xmlns="" id="{5343FD55-52BA-49ED-8622-99BA403F87BD}"/>
+                <a16:creationId xmlns="" xmlns:a16="http://schemas.microsoft.com/office/drawing/2014/main" id="{5343FD55-52BA-49ED-8622-99BA403F87BD}"/>
               </a:ext>
             </a:extLst>
           </p:cNvPr>
@@ -27625,7 +27634,7 @@
           <p:cNvPr id="3" name="Content Placeholder 2">
             <a:extLst>
               <a:ext uri="{FF2B5EF4-FFF2-40B4-BE49-F238E27FC236}">
-                <a16:creationId xmlns:a16="http://schemas.microsoft.com/office/drawing/2014/main" xmlns="" id="{03D921A0-DB4F-49E7-B69F-84CE55C2AD6E}"/>
+                <a16:creationId xmlns="" xmlns:a16="http://schemas.microsoft.com/office/drawing/2014/main" id="{03D921A0-DB4F-49E7-B69F-84CE55C2AD6E}"/>
               </a:ext>
             </a:extLst>
           </p:cNvPr>
